--- a/Beyond Scratch Basics week3.pptx
+++ b/Beyond Scratch Basics week3.pptx
@@ -5,7 +5,7 @@
     <p:sldMasterId id="2147483756" r:id="rId1"/>
   </p:sldMasterIdLst>
   <p:notesMasterIdLst>
-    <p:notesMasterId r:id="rId13"/>
+    <p:notesMasterId r:id="rId14"/>
   </p:notesMasterIdLst>
   <p:sldIdLst>
     <p:sldId id="256" r:id="rId2"/>
@@ -15,10 +15,11 @@
     <p:sldId id="266" r:id="rId6"/>
     <p:sldId id="274" r:id="rId7"/>
     <p:sldId id="275" r:id="rId8"/>
-    <p:sldId id="283" r:id="rId9"/>
-    <p:sldId id="287" r:id="rId10"/>
+    <p:sldId id="287" r:id="rId9"/>
+    <p:sldId id="283" r:id="rId10"/>
     <p:sldId id="272" r:id="rId11"/>
     <p:sldId id="276" r:id="rId12"/>
+    <p:sldId id="288" r:id="rId13"/>
   </p:sldIdLst>
   <p:sldSz cx="9144000" cy="6858000" type="screen4x3"/>
   <p:notesSz cx="6858000" cy="9144000"/>
@@ -119,7 +120,7 @@
   </p:defaultTextStyle>
   <p:extLst>
     <p:ext uri="{EFAFB233-063F-42B5-8137-9DF3F51BA10A}">
-      <p15:sldGuideLst xmlns:p15="http://schemas.microsoft.com/office/powerpoint/2012/main">
+      <p15:sldGuideLst xmlns:p15="http://schemas.microsoft.com/office/powerpoint/2012/main" xmlns="">
         <p15:guide id="1" orient="horz" pos="2160">
           <p15:clr>
             <a:srgbClr val="A4A3A4"/>
@@ -218,7 +219,7 @@
           <a:p>
             <a:fld id="{9BFDE811-7E5B-43DD-9EE2-2C600B30D8F1}" type="datetimeFigureOut">
               <a:rPr lang="en-US" smtClean="0"/>
-              <a:t>2/10/2014</a:t>
+              <a:t>2/11/2014</a:t>
             </a:fld>
             <a:endParaRPr lang="en-US"/>
           </a:p>
@@ -701,7 +702,7 @@
           <a:p>
             <a:fld id="{F52004B7-4623-456F-BE48-522AFC8CF2B3}" type="datetime1">
               <a:rPr lang="en-US" smtClean="0"/>
-              <a:t>2/10/2014</a:t>
+              <a:t>2/11/2014</a:t>
             </a:fld>
             <a:endParaRPr lang="en-US"/>
           </a:p>
@@ -894,7 +895,7 @@
           <a:p>
             <a:fld id="{C9BEEE3F-2BBC-48F5-8F25-640303459AB2}" type="datetime1">
               <a:rPr lang="en-US" smtClean="0"/>
-              <a:t>2/10/2014</a:t>
+              <a:t>2/11/2014</a:t>
             </a:fld>
             <a:endParaRPr lang="en-US"/>
           </a:p>
@@ -1097,7 +1098,7 @@
           <a:p>
             <a:fld id="{A6C697E3-6ABA-4441-A8E4-6576C9BA644D}" type="datetime1">
               <a:rPr lang="en-US" smtClean="0"/>
-              <a:t>2/10/2014</a:t>
+              <a:t>2/11/2014</a:t>
             </a:fld>
             <a:endParaRPr lang="en-US"/>
           </a:p>
@@ -1290,7 +1291,7 @@
           <a:p>
             <a:fld id="{2109C9D0-AF2F-452F-8FB0-AFC0FA233BC8}" type="datetime1">
               <a:rPr lang="en-US" smtClean="0"/>
-              <a:t>2/10/2014</a:t>
+              <a:t>2/11/2014</a:t>
             </a:fld>
             <a:endParaRPr lang="en-US"/>
           </a:p>
@@ -1559,7 +1560,7 @@
           <a:p>
             <a:fld id="{9DFD1AA4-3C72-480C-9771-3F07EE32C260}" type="datetime1">
               <a:rPr lang="en-US" smtClean="0"/>
-              <a:t>2/10/2014</a:t>
+              <a:t>2/11/2014</a:t>
             </a:fld>
             <a:endParaRPr lang="en-US"/>
           </a:p>
@@ -1814,7 +1815,7 @@
           <a:p>
             <a:fld id="{9CA27C91-8AE0-4714-ACB7-3BF8DB5DF192}" type="datetime1">
               <a:rPr lang="en-US" smtClean="0"/>
-              <a:t>2/10/2014</a:t>
+              <a:t>2/11/2014</a:t>
             </a:fld>
             <a:endParaRPr lang="en-US"/>
           </a:p>
@@ -2204,7 +2205,7 @@
           <a:p>
             <a:fld id="{A2E6425C-0710-416E-A44E-63D2F43774F0}" type="datetime1">
               <a:rPr lang="en-US" smtClean="0"/>
-              <a:t>2/10/2014</a:t>
+              <a:t>2/11/2014</a:t>
             </a:fld>
             <a:endParaRPr lang="en-US"/>
           </a:p>
@@ -2345,7 +2346,7 @@
           <a:p>
             <a:fld id="{6D3FA7E6-306C-4C29-8040-77E043270496}" type="datetime1">
               <a:rPr lang="en-US" smtClean="0"/>
-              <a:t>2/10/2014</a:t>
+              <a:t>2/11/2014</a:t>
             </a:fld>
             <a:endParaRPr lang="en-US"/>
           </a:p>
@@ -2463,7 +2464,7 @@
           <a:p>
             <a:fld id="{C4BECA58-A5BA-4EB1-B604-033CDA7E77C2}" type="datetime1">
               <a:rPr lang="en-US" smtClean="0"/>
-              <a:t>2/10/2014</a:t>
+              <a:t>2/11/2014</a:t>
             </a:fld>
             <a:endParaRPr lang="en-US"/>
           </a:p>
@@ -2763,7 +2764,7 @@
           <a:p>
             <a:fld id="{B75A2790-60B4-4C42-B7B5-7F6A20AC0DE8}" type="datetime1">
               <a:rPr lang="en-US" smtClean="0"/>
-              <a:t>2/10/2014</a:t>
+              <a:t>2/11/2014</a:t>
             </a:fld>
             <a:endParaRPr lang="en-US"/>
           </a:p>
@@ -3039,7 +3040,7 @@
           <a:p>
             <a:fld id="{2B8407F5-33AC-4100-9340-A931588801B1}" type="datetime1">
               <a:rPr lang="en-US" smtClean="0"/>
-              <a:t>2/10/2014</a:t>
+              <a:t>2/11/2014</a:t>
             </a:fld>
             <a:endParaRPr lang="en-US"/>
           </a:p>
@@ -3296,7 +3297,7 @@
           <a:p>
             <a:fld id="{77E0C663-1FA7-4BF7-A097-B97F5C8459BE}" type="datetime1">
               <a:rPr lang="en-US" smtClean="0"/>
-              <a:t>2/10/2014</a:t>
+              <a:t>2/11/2014</a:t>
             </a:fld>
             <a:endParaRPr lang="en-US"/>
           </a:p>
@@ -4216,11 +4217,6 @@
               </a:rPr>
               <a:t>:</a:t>
             </a:r>
-            <a:endParaRPr lang="en-US" sz="2000" b="1" dirty="0" smtClean="0">
-              <a:solidFill>
-                <a:schemeClr val="bg1"/>
-              </a:solidFill>
-            </a:endParaRPr>
           </a:p>
           <a:p>
             <a:pPr marL="285750" indent="-285750">
@@ -4236,21 +4232,8 @@
                   <a:schemeClr val="bg1"/>
                 </a:solidFill>
               </a:rPr>
-              <a:t>Review: </a:t>
-            </a:r>
-            <a:r>
-              <a:rPr lang="en-US" sz="2000" b="1" dirty="0" smtClean="0">
-                <a:solidFill>
-                  <a:schemeClr val="bg1"/>
-                </a:solidFill>
-              </a:rPr>
-              <a:t>Controls</a:t>
-            </a:r>
-            <a:endParaRPr lang="en-US" sz="2000" b="1" dirty="0" smtClean="0">
-              <a:solidFill>
-                <a:schemeClr val="bg1"/>
-              </a:solidFill>
-            </a:endParaRPr>
+              <a:t>Review: Controls</a:t>
+            </a:r>
           </a:p>
           <a:p>
             <a:pPr marL="285750" indent="-285750">
@@ -4266,21 +4249,8 @@
                   <a:schemeClr val="bg1"/>
                 </a:solidFill>
               </a:rPr>
-              <a:t>Introduce: </a:t>
-            </a:r>
-            <a:r>
-              <a:rPr lang="en-US" sz="2000" b="1" dirty="0" smtClean="0">
-                <a:solidFill>
-                  <a:schemeClr val="bg1"/>
-                </a:solidFill>
-              </a:rPr>
-              <a:t>Clones</a:t>
-            </a:r>
-            <a:endParaRPr lang="en-US" sz="2000" b="1" dirty="0" smtClean="0">
-              <a:solidFill>
-                <a:schemeClr val="bg1"/>
-              </a:solidFill>
-            </a:endParaRPr>
+              <a:t>Introduce: Clones</a:t>
+            </a:r>
           </a:p>
           <a:p>
             <a:pPr marL="285750" indent="-285750">
@@ -4296,21 +4266,8 @@
                   <a:schemeClr val="bg1"/>
                 </a:solidFill>
               </a:rPr>
-              <a:t>Next step: </a:t>
-            </a:r>
-            <a:r>
-              <a:rPr lang="en-US" sz="2000" b="1" dirty="0" smtClean="0">
-                <a:solidFill>
-                  <a:schemeClr val="bg1"/>
-                </a:solidFill>
-              </a:rPr>
-              <a:t>evolution</a:t>
-            </a:r>
-            <a:endParaRPr lang="en-US" sz="2000" b="1" dirty="0" smtClean="0">
-              <a:solidFill>
-                <a:schemeClr val="bg1"/>
-              </a:solidFill>
-            </a:endParaRPr>
+              <a:t>Next step: evolution</a:t>
+            </a:r>
           </a:p>
           <a:p>
             <a:pPr marL="285750" indent="-285750">
@@ -4454,21 +4411,8 @@
                   <a:schemeClr val="bg1"/>
                 </a:solidFill>
               </a:rPr>
-              <a:t>What data might you </a:t>
-            </a:r>
-            <a:r>
-              <a:rPr lang="en-US" dirty="0" smtClean="0">
-                <a:solidFill>
-                  <a:schemeClr val="bg1"/>
-                </a:solidFill>
-              </a:rPr>
-              <a:t>want?</a:t>
-            </a:r>
-            <a:endParaRPr lang="en-US" dirty="0" smtClean="0">
-              <a:solidFill>
-                <a:schemeClr val="bg1"/>
-              </a:solidFill>
-            </a:endParaRPr>
+              <a:t>What data might you want?</a:t>
+            </a:r>
           </a:p>
           <a:p>
             <a:r>
@@ -4727,23 +4671,7 @@
                   <a:schemeClr val="bg1"/>
                 </a:solidFill>
               </a:rPr>
-              <a:t>We set it to ‘3’ on green flag, decrement when the </a:t>
-            </a:r>
-            <a:r>
-              <a:rPr lang="en-US" dirty="0" smtClean="0">
-                <a:solidFill>
-                  <a:schemeClr val="bg1"/>
-                </a:solidFill>
-              </a:rPr>
-              <a:t>asteroid hits the ship, </a:t>
-            </a:r>
-            <a:r>
-              <a:rPr lang="en-US" dirty="0" smtClean="0">
-                <a:solidFill>
-                  <a:schemeClr val="bg1"/>
-                </a:solidFill>
-              </a:rPr>
-              <a:t>and send ‘show game over’ when it drops to zero.</a:t>
+              <a:t>We set it to ‘3’ on green flag, decrement when the asteroid hits the ship, and send ‘show game over’ when it drops to zero.</a:t>
             </a:r>
           </a:p>
           <a:p>
@@ -5416,6 +5344,224 @@
     <p:extLst>
       <p:ext uri="{BB962C8B-B14F-4D97-AF65-F5344CB8AC3E}">
         <p14:creationId xmlns:p14="http://schemas.microsoft.com/office/powerpoint/2010/main" val="2585117869"/>
+      </p:ext>
+    </p:extLst>
+  </p:cSld>
+  <p:clrMapOvr>
+    <a:masterClrMapping/>
+  </p:clrMapOvr>
+  <mc:AlternateContent xmlns:mc="http://schemas.openxmlformats.org/markup-compatibility/2006" xmlns:p14="http://schemas.microsoft.com/office/powerpoint/2010/main">
+    <mc:Choice Requires="p14">
+      <p:transition spd="slow" p14:dur="2000">
+        <p14:honeycomb/>
+      </p:transition>
+    </mc:Choice>
+    <mc:Fallback xmlns="">
+      <p:transition spd="slow">
+        <p:fade/>
+      </p:transition>
+    </mc:Fallback>
+  </mc:AlternateContent>
+  <p:timing>
+    <p:tnLst>
+      <p:par>
+        <p:cTn id="1" dur="indefinite" restart="never" nodeType="tmRoot"/>
+      </p:par>
+    </p:tnLst>
+  </p:timing>
+</p:sld>
+</file>
+
+<file path=ppt/slides/slide12.xml><?xml version="1.0" encoding="utf-8"?>
+<p:sld xmlns:a="http://schemas.openxmlformats.org/drawingml/2006/main" xmlns:r="http://schemas.openxmlformats.org/officeDocument/2006/relationships" xmlns:p="http://schemas.openxmlformats.org/presentationml/2006/main">
+  <p:cSld>
+    <p:spTree>
+      <p:nvGrpSpPr>
+        <p:cNvPr id="1" name=""/>
+        <p:cNvGrpSpPr/>
+        <p:nvPr/>
+      </p:nvGrpSpPr>
+      <p:grpSpPr>
+        <a:xfrm>
+          <a:off x="0" y="0"/>
+          <a:ext cx="0" cy="0"/>
+          <a:chOff x="0" y="0"/>
+          <a:chExt cx="0" cy="0"/>
+        </a:xfrm>
+      </p:grpSpPr>
+      <p:sp>
+        <p:nvSpPr>
+          <p:cNvPr id="2" name="Title 1"/>
+          <p:cNvSpPr>
+            <a:spLocks noGrp="1"/>
+          </p:cNvSpPr>
+          <p:nvPr>
+            <p:ph type="title"/>
+          </p:nvPr>
+        </p:nvSpPr>
+        <p:spPr/>
+        <p:txBody>
+          <a:bodyPr/>
+          <a:lstStyle/>
+          <a:p>
+            <a:r>
+              <a:rPr lang="en-US" dirty="0" smtClean="0">
+                <a:solidFill>
+                  <a:schemeClr val="bg1"/>
+                </a:solidFill>
+              </a:rPr>
+              <a:t>Bonus Material</a:t>
+            </a:r>
+            <a:endParaRPr lang="en-US" dirty="0">
+              <a:solidFill>
+                <a:schemeClr val="bg1"/>
+              </a:solidFill>
+            </a:endParaRPr>
+          </a:p>
+        </p:txBody>
+      </p:sp>
+      <p:sp>
+        <p:nvSpPr>
+          <p:cNvPr id="3" name="Content Placeholder 2"/>
+          <p:cNvSpPr>
+            <a:spLocks noGrp="1"/>
+          </p:cNvSpPr>
+          <p:nvPr>
+            <p:ph idx="1"/>
+          </p:nvPr>
+        </p:nvSpPr>
+        <p:spPr/>
+        <p:txBody>
+          <a:bodyPr/>
+          <a:lstStyle/>
+          <a:p>
+            <a:r>
+              <a:rPr lang="en-US" dirty="0" smtClean="0">
+                <a:solidFill>
+                  <a:schemeClr val="bg1"/>
+                </a:solidFill>
+              </a:rPr>
+              <a:t>Who has heard of Flappy Bird?</a:t>
+            </a:r>
+          </a:p>
+          <a:p>
+            <a:r>
+              <a:rPr lang="en-US" dirty="0" smtClean="0">
+                <a:solidFill>
+                  <a:schemeClr val="bg1"/>
+                </a:solidFill>
+              </a:rPr>
+              <a:t>It got famous last week and was removed from the Apple App Store on Sunday</a:t>
+            </a:r>
+          </a:p>
+          <a:p>
+            <a:r>
+              <a:rPr lang="en-US" dirty="0" smtClean="0">
+                <a:solidFill>
+                  <a:schemeClr val="bg1"/>
+                </a:solidFill>
+              </a:rPr>
+              <a:t>It’s an incredibly simple game (to write) but it’s difficult to play</a:t>
+            </a:r>
+          </a:p>
+          <a:p>
+            <a:endParaRPr lang="en-US" dirty="0">
+              <a:solidFill>
+                <a:schemeClr val="bg1"/>
+              </a:solidFill>
+            </a:endParaRPr>
+          </a:p>
+          <a:p>
+            <a:r>
+              <a:rPr lang="en-US" dirty="0" smtClean="0">
+                <a:solidFill>
+                  <a:schemeClr val="bg1"/>
+                </a:solidFill>
+              </a:rPr>
+              <a:t>At any rate, Scratch has some decent clones</a:t>
+            </a:r>
+          </a:p>
+          <a:p>
+            <a:pPr lvl="1"/>
+            <a:r>
+              <a:rPr lang="en-US" dirty="0">
+                <a:solidFill>
+                  <a:schemeClr val="bg1"/>
+                </a:solidFill>
+                <a:hlinkClick r:id="rId2"/>
+              </a:rPr>
+              <a:t>http://scratch.mit.edu/projects/16743509</a:t>
+            </a:r>
+            <a:r>
+              <a:rPr lang="en-US" dirty="0" smtClean="0">
+                <a:solidFill>
+                  <a:schemeClr val="bg1"/>
+                </a:solidFill>
+                <a:hlinkClick r:id="rId2"/>
+              </a:rPr>
+              <a:t>/</a:t>
+            </a:r>
+            <a:endParaRPr lang="en-US" dirty="0" smtClean="0">
+              <a:solidFill>
+                <a:schemeClr val="bg1"/>
+              </a:solidFill>
+            </a:endParaRPr>
+          </a:p>
+          <a:p>
+            <a:pPr lvl="1"/>
+            <a:r>
+              <a:rPr lang="en-US" dirty="0">
+                <a:solidFill>
+                  <a:schemeClr val="bg1"/>
+                </a:solidFill>
+                <a:hlinkClick r:id="rId3"/>
+              </a:rPr>
+              <a:t>http://scratch.mit.edu/projects/16847315</a:t>
+            </a:r>
+            <a:r>
+              <a:rPr lang="en-US" dirty="0" smtClean="0">
+                <a:solidFill>
+                  <a:schemeClr val="bg1"/>
+                </a:solidFill>
+                <a:hlinkClick r:id="rId3"/>
+              </a:rPr>
+              <a:t>/</a:t>
+            </a:r>
+            <a:endParaRPr lang="en-US" dirty="0" smtClean="0">
+              <a:solidFill>
+                <a:schemeClr val="bg1"/>
+              </a:solidFill>
+            </a:endParaRPr>
+          </a:p>
+          <a:p>
+            <a:pPr lvl="1"/>
+            <a:endParaRPr lang="en-US" dirty="0" smtClean="0">
+              <a:solidFill>
+                <a:schemeClr val="bg1"/>
+              </a:solidFill>
+            </a:endParaRPr>
+          </a:p>
+          <a:p>
+            <a:r>
+              <a:rPr lang="en-US" dirty="0" smtClean="0">
+                <a:solidFill>
+                  <a:schemeClr val="bg1"/>
+                </a:solidFill>
+              </a:rPr>
+              <a:t>Did you like this class?  Want me to do more after school?</a:t>
+            </a:r>
+            <a:endParaRPr lang="en-US" dirty="0">
+              <a:solidFill>
+                <a:schemeClr val="bg1"/>
+              </a:solidFill>
+            </a:endParaRPr>
+          </a:p>
+        </p:txBody>
+      </p:sp>
+    </p:spTree>
+    <p:extLst>
+      <p:ext uri="{BB962C8B-B14F-4D97-AF65-F5344CB8AC3E}">
+        <p14:creationId xmlns:p14="http://schemas.microsoft.com/office/powerpoint/2010/main" val="3617324186"/>
       </p:ext>
     </p:extLst>
   </p:cSld>
@@ -5551,7 +5697,7 @@
         </p:spPr>
         <p:txBody>
           <a:bodyPr>
-            <a:normAutofit fontScale="92500" lnSpcReduction="20000"/>
+            <a:normAutofit fontScale="62500" lnSpcReduction="20000"/>
           </a:bodyPr>
           <a:lstStyle/>
           <a:p>
@@ -5559,102 +5705,52 @@
               <a:buNone/>
             </a:pPr>
             <a:r>
-              <a:rPr lang="en-US" b="1" dirty="0" smtClean="0">
+              <a:rPr lang="en-US" b="1" dirty="0">
                 <a:solidFill>
                   <a:schemeClr val="bg1"/>
                 </a:solidFill>
               </a:rPr>
               <a:t>We will take a project with some costumes</a:t>
             </a:r>
-            <a:endParaRPr lang="en-US" b="1" dirty="0" smtClean="0">
-              <a:solidFill>
-                <a:schemeClr val="bg1"/>
-              </a:solidFill>
-            </a:endParaRPr>
-          </a:p>
-          <a:p>
-            <a:pPr algn="ctr"/>
-            <a:r>
-              <a:rPr lang="en-US" b="1" dirty="0" smtClean="0">
-                <a:solidFill>
-                  <a:schemeClr val="bg1"/>
-                </a:solidFill>
-              </a:rPr>
-              <a:t>A space ship</a:t>
-            </a:r>
-            <a:endParaRPr lang="en-US" b="1" dirty="0" smtClean="0">
-              <a:solidFill>
-                <a:schemeClr val="bg1"/>
-              </a:solidFill>
-            </a:endParaRPr>
-          </a:p>
-          <a:p>
-            <a:pPr algn="ctr"/>
-            <a:r>
-              <a:rPr lang="en-US" b="1" dirty="0" smtClean="0">
-                <a:solidFill>
-                  <a:schemeClr val="bg1"/>
-                </a:solidFill>
-              </a:rPr>
-              <a:t>A bullet</a:t>
-            </a:r>
-            <a:endParaRPr lang="en-US" b="1" dirty="0" smtClean="0">
-              <a:solidFill>
-                <a:schemeClr val="bg1"/>
-              </a:solidFill>
-            </a:endParaRPr>
-          </a:p>
-          <a:p>
-            <a:pPr algn="ctr"/>
-            <a:r>
-              <a:rPr lang="en-US" b="1" dirty="0" smtClean="0">
-                <a:solidFill>
-                  <a:schemeClr val="bg1"/>
-                </a:solidFill>
-              </a:rPr>
-              <a:t>An asteroid, which we will clone and move</a:t>
-            </a:r>
-            <a:endParaRPr lang="en-US" b="1" dirty="0" smtClean="0">
-              <a:solidFill>
-                <a:schemeClr val="bg1"/>
-              </a:solidFill>
-            </a:endParaRPr>
           </a:p>
           <a:p>
             <a:pPr marL="0" indent="0" algn="ctr">
               <a:buNone/>
             </a:pPr>
-            <a:endParaRPr lang="en-US" b="1" dirty="0" smtClean="0">
-              <a:solidFill>
-                <a:schemeClr val="bg1"/>
-              </a:solidFill>
-            </a:endParaRPr>
+            <a:r>
+              <a:rPr lang="en-US" b="1" dirty="0">
+                <a:solidFill>
+                  <a:schemeClr val="bg1"/>
+                </a:solidFill>
+              </a:rPr>
+              <a:t>A space ship</a:t>
+            </a:r>
           </a:p>
           <a:p>
             <a:pPr marL="0" indent="0" algn="ctr">
               <a:buNone/>
             </a:pPr>
             <a:r>
-              <a:rPr lang="en-US" b="1" dirty="0" smtClean="0">
+              <a:rPr lang="en-US" b="1" dirty="0">
                 <a:solidFill>
                   <a:schemeClr val="bg1"/>
                 </a:solidFill>
               </a:rPr>
-              <a:t>Warm up: Change the </a:t>
-            </a:r>
-            <a:r>
-              <a:rPr lang="en-US" b="1" dirty="0" smtClean="0">
+              <a:t>A bullet</a:t>
+            </a:r>
+          </a:p>
+          <a:p>
+            <a:pPr marL="0" indent="0" algn="ctr">
+              <a:buNone/>
+            </a:pPr>
+            <a:r>
+              <a:rPr lang="en-US" b="1" dirty="0">
                 <a:solidFill>
                   <a:schemeClr val="bg1"/>
                 </a:solidFill>
               </a:rPr>
-              <a:t>space ship to rotate and move</a:t>
-            </a:r>
-            <a:endParaRPr lang="en-US" b="1" dirty="0" smtClean="0">
-              <a:solidFill>
-                <a:schemeClr val="bg1"/>
-              </a:solidFill>
-            </a:endParaRPr>
+              <a:t>An asteroid</a:t>
+            </a:r>
           </a:p>
           <a:p>
             <a:pPr marL="0" indent="0" algn="ctr">
@@ -5671,44 +5767,18 @@
               <a:buNone/>
             </a:pPr>
             <a:r>
-              <a:rPr lang="en-US" b="1" dirty="0" smtClean="0">
+              <a:rPr lang="en-US" b="1" dirty="0">
                 <a:solidFill>
                   <a:schemeClr val="bg1"/>
                 </a:solidFill>
               </a:rPr>
-              <a:t>Then: A quick review on script blocks.</a:t>
+              <a:t>Warm up: Change the space ship to rotate and move</a:t>
             </a:r>
           </a:p>
           <a:p>
             <a:pPr marL="0" indent="0" algn="ctr">
               <a:buNone/>
             </a:pPr>
-            <a:endParaRPr lang="en-US" b="1" dirty="0" smtClean="0">
-              <a:solidFill>
-                <a:schemeClr val="bg1"/>
-              </a:solidFill>
-            </a:endParaRPr>
-          </a:p>
-          <a:p>
-            <a:pPr marL="0" indent="0" algn="ctr">
-              <a:buNone/>
-            </a:pPr>
-            <a:r>
-              <a:rPr lang="en-US" b="1" dirty="0" smtClean="0">
-                <a:solidFill>
-                  <a:schemeClr val="bg1"/>
-                </a:solidFill>
-              </a:rPr>
-              <a:t>First improvement:  </a:t>
-            </a:r>
-            <a:r>
-              <a:rPr lang="en-US" b="1" dirty="0" smtClean="0">
-                <a:solidFill>
-                  <a:schemeClr val="bg1"/>
-                </a:solidFill>
-              </a:rPr>
-              <a:t>Make the asteroids move (using Cloning)</a:t>
-            </a:r>
             <a:endParaRPr lang="en-US" b="1" dirty="0">
               <a:solidFill>
                 <a:schemeClr val="bg1"/>
@@ -5720,98 +5790,18 @@
               <a:buNone/>
             </a:pPr>
             <a:r>
-              <a:rPr lang="en-US" b="1" dirty="0" smtClean="0">
+              <a:rPr lang="en-US" b="1" dirty="0">
                 <a:solidFill>
                   <a:schemeClr val="bg1"/>
                 </a:solidFill>
               </a:rPr>
-              <a:t>Second improvement:</a:t>
-            </a:r>
-            <a:r>
-              <a:rPr lang="en-US" b="1" dirty="0">
-                <a:solidFill>
-                  <a:schemeClr val="bg1"/>
-                </a:solidFill>
-              </a:rPr>
-              <a:t> </a:t>
-            </a:r>
-            <a:r>
-              <a:rPr lang="en-US" b="1" dirty="0" smtClean="0">
-                <a:solidFill>
-                  <a:schemeClr val="bg1"/>
-                </a:solidFill>
-              </a:rPr>
-              <a:t> </a:t>
-            </a:r>
-            <a:r>
-              <a:rPr lang="en-US" b="1" dirty="0" smtClean="0">
-                <a:solidFill>
-                  <a:schemeClr val="bg1"/>
-                </a:solidFill>
-              </a:rPr>
-              <a:t>Add bullets!</a:t>
-            </a:r>
-            <a:endParaRPr lang="en-US" b="1" dirty="0" smtClean="0">
-              <a:solidFill>
-                <a:schemeClr val="bg1"/>
-              </a:solidFill>
-            </a:endParaRPr>
-          </a:p>
-          <a:p>
-            <a:pPr algn="ctr"/>
-            <a:endParaRPr lang="en-US" b="1" dirty="0" smtClean="0">
-              <a:solidFill>
-                <a:schemeClr val="bg1"/>
-              </a:solidFill>
-            </a:endParaRPr>
+              <a:t>Then: A quick review on script blocks.</a:t>
+            </a:r>
           </a:p>
           <a:p>
             <a:pPr marL="0" indent="0" algn="ctr">
               <a:buNone/>
             </a:pPr>
-            <a:r>
-              <a:rPr lang="en-US" b="1" dirty="0" smtClean="0">
-                <a:solidFill>
-                  <a:schemeClr val="bg1"/>
-                </a:solidFill>
-              </a:rPr>
-              <a:t>Optional improvement</a:t>
-            </a:r>
-            <a:r>
-              <a:rPr lang="en-US" b="1" dirty="0">
-                <a:solidFill>
-                  <a:schemeClr val="bg1"/>
-                </a:solidFill>
-              </a:rPr>
-              <a:t>:  Score on </a:t>
-            </a:r>
-            <a:r>
-              <a:rPr lang="en-US" b="1" dirty="0" smtClean="0">
-                <a:solidFill>
-                  <a:schemeClr val="bg1"/>
-                </a:solidFill>
-              </a:rPr>
-              <a:t>hit </a:t>
-            </a:r>
-            <a:r>
-              <a:rPr lang="en-US" b="1" dirty="0" smtClean="0">
-                <a:solidFill>
-                  <a:schemeClr val="bg1"/>
-                </a:solidFill>
-              </a:rPr>
-              <a:t>(Variables</a:t>
-            </a:r>
-            <a:r>
-              <a:rPr lang="en-US" b="1" dirty="0">
-                <a:solidFill>
-                  <a:schemeClr val="bg1"/>
-                </a:solidFill>
-              </a:rPr>
-              <a:t>)</a:t>
-            </a:r>
-          </a:p>
-          <a:p>
-            <a:pPr algn="ctr"/>
             <a:endParaRPr lang="en-US" b="1" dirty="0">
               <a:solidFill>
                 <a:schemeClr val="bg1"/>
@@ -5823,28 +5813,121 @@
               <a:buNone/>
             </a:pPr>
             <a:r>
-              <a:rPr lang="en-US" b="1" dirty="0" smtClean="0">
+              <a:rPr lang="en-US" b="1" dirty="0">
                 <a:solidFill>
                   <a:schemeClr val="bg1"/>
                 </a:solidFill>
               </a:rPr>
-              <a:t>Final: Show your project!</a:t>
-            </a:r>
-          </a:p>
-          <a:p>
-            <a:pPr marL="0" indent="0">
+              <a:t>First improvement:  Make more asteroids (using Cloning)</a:t>
+            </a:r>
+          </a:p>
+          <a:p>
+            <a:pPr marL="0" indent="0" algn="ctr">
               <a:buNone/>
             </a:pPr>
-            <a:endParaRPr lang="en-US" b="1" dirty="0" smtClean="0">
+            <a:r>
+              <a:rPr lang="en-US" b="1" dirty="0">
+                <a:solidFill>
+                  <a:schemeClr val="bg1"/>
+                </a:solidFill>
+              </a:rPr>
+              <a:t>Then: make them move </a:t>
+            </a:r>
+          </a:p>
+          <a:p>
+            <a:pPr marL="0" indent="0" algn="ctr">
+              <a:buNone/>
+            </a:pPr>
+            <a:r>
+              <a:rPr lang="en-US" b="1" dirty="0">
+                <a:solidFill>
+                  <a:schemeClr val="bg1"/>
+                </a:solidFill>
+              </a:rPr>
+              <a:t>Second improvement:  Add bullets!</a:t>
+            </a:r>
+          </a:p>
+          <a:p>
+            <a:pPr marL="0" indent="0" algn="ctr">
+              <a:buNone/>
+            </a:pPr>
+            <a:endParaRPr lang="en-US" b="1" dirty="0">
               <a:solidFill>
                 <a:schemeClr val="bg1"/>
               </a:solidFill>
             </a:endParaRPr>
           </a:p>
           <a:p>
-            <a:pPr marL="0" indent="0">
+            <a:pPr marL="0" indent="0" algn="ctr">
               <a:buNone/>
             </a:pPr>
+            <a:r>
+              <a:rPr lang="en-US" b="1" dirty="0">
+                <a:solidFill>
+                  <a:schemeClr val="bg1"/>
+                </a:solidFill>
+              </a:rPr>
+              <a:t>Optional improvement:  Score on hit (Variables)</a:t>
+            </a:r>
+          </a:p>
+          <a:p>
+            <a:pPr marL="0" indent="0" algn="ctr">
+              <a:buNone/>
+            </a:pPr>
+            <a:endParaRPr lang="en-US" b="1" dirty="0">
+              <a:solidFill>
+                <a:schemeClr val="bg1"/>
+              </a:solidFill>
+            </a:endParaRPr>
+          </a:p>
+          <a:p>
+            <a:pPr marL="0" indent="0" algn="ctr">
+              <a:buNone/>
+            </a:pPr>
+            <a:r>
+              <a:rPr lang="en-US" b="1" dirty="0">
+                <a:solidFill>
+                  <a:schemeClr val="bg1"/>
+                </a:solidFill>
+              </a:rPr>
+              <a:t>Final: Show your project!</a:t>
+            </a:r>
+          </a:p>
+          <a:p>
+            <a:pPr marL="0" indent="0" algn="ctr">
+              <a:buNone/>
+            </a:pPr>
+            <a:endParaRPr lang="en-US" b="1" dirty="0">
+              <a:solidFill>
+                <a:schemeClr val="bg1"/>
+              </a:solidFill>
+            </a:endParaRPr>
+          </a:p>
+          <a:p>
+            <a:pPr marL="0" indent="0" algn="ctr">
+              <a:buNone/>
+            </a:pPr>
+            <a:r>
+              <a:rPr lang="en-US" b="1" dirty="0">
+                <a:solidFill>
+                  <a:schemeClr val="bg1"/>
+                </a:solidFill>
+              </a:rPr>
+              <a:t>Epilogue: Bonus: </a:t>
+            </a:r>
+          </a:p>
+          <a:p>
+            <a:pPr marL="0" indent="0" algn="ctr">
+              <a:buNone/>
+            </a:pPr>
+            <a:r>
+              <a:rPr lang="en-US" b="1" dirty="0">
+                <a:solidFill>
+                  <a:schemeClr val="bg1"/>
+                </a:solidFill>
+              </a:rPr>
+              <a:t>http://scratch.mit.edu/projects/16743509</a:t>
+            </a:r>
             <a:endParaRPr lang="en-US" b="1" dirty="0">
               <a:solidFill>
                 <a:schemeClr val="bg1"/>
@@ -5963,9 +6046,6 @@
                     <p:cTn id="3" fill="hold">
                       <p:stCondLst>
                         <p:cond delay="indefinite"/>
-                        <p:cond evt="onBegin" delay="0">
-                          <p:tn val="2"/>
-                        </p:cond>
                       </p:stCondLst>
                       <p:childTnLst>
                         <p:par>
@@ -5975,7 +6055,7 @@
                             </p:stCondLst>
                             <p:childTnLst>
                               <p:par>
-                                <p:cTn id="5" presetID="26" presetClass="emph" presetSubtype="0" fill="hold" grpId="0" nodeType="withEffect">
+                                <p:cTn id="5" presetID="26" presetClass="emph" presetSubtype="0" fill="hold" grpId="0" nodeType="clickEffect">
                                   <p:stCondLst>
                                     <p:cond delay="0"/>
                                   </p:stCondLst>
@@ -6001,7 +6081,7 @@
                                 </p:cTn>
                               </p:par>
                               <p:par>
-                                <p:cTn id="8" presetID="2" presetClass="entr" presetSubtype="4" fill="hold" grpId="0" nodeType="withEffect">
+                                <p:cTn id="8" presetID="42" presetClass="entr" presetSubtype="0" fill="hold" grpId="0" nodeType="withEffect">
                                   <p:stCondLst>
                                     <p:cond delay="0"/>
                                   </p:stCondLst>
@@ -6028,9 +6108,21 @@
                                         <p:strVal val="visible"/>
                                       </p:to>
                                     </p:set>
+                                    <p:animEffect transition="in" filter="fade">
+                                      <p:cBhvr>
+                                        <p:cTn id="10" dur="1000"/>
+                                        <p:tgtEl>
+                                          <p:spTgt spid="3">
+                                            <p:txEl>
+                                              <p:pRg st="0" end="0"/>
+                                            </p:txEl>
+                                          </p:spTgt>
+                                        </p:tgtEl>
+                                      </p:cBhvr>
+                                    </p:animEffect>
                                     <p:anim calcmode="lin" valueType="num">
-                                      <p:cBhvr additive="base">
-                                        <p:cTn id="10" dur="500" fill="hold"/>
+                                      <p:cBhvr>
+                                        <p:cTn id="11" dur="1000" fill="hold"/>
                                         <p:tgtEl>
                                           <p:spTgt spid="3">
                                             <p:txEl>
@@ -6056,8 +6148,8 @@
                                       </p:tavLst>
                                     </p:anim>
                                     <p:anim calcmode="lin" valueType="num">
-                                      <p:cBhvr additive="base">
-                                        <p:cTn id="11" dur="500" fill="hold"/>
+                                      <p:cBhvr>
+                                        <p:cTn id="12" dur="1000" fill="hold"/>
                                         <p:tgtEl>
                                           <p:spTgt spid="3">
                                             <p:txEl>
@@ -6072,7 +6164,7 @@
                                       <p:tavLst>
                                         <p:tav tm="0">
                                           <p:val>
-                                            <p:strVal val="1+#ppt_h/2"/>
+                                            <p:strVal val="#ppt_y+.1"/>
                                           </p:val>
                                         </p:tav>
                                         <p:tav tm="100000">
@@ -6086,14 +6178,14 @@
                                 </p:cTn>
                               </p:par>
                               <p:par>
-                                <p:cTn id="12" presetID="2" presetClass="entr" presetSubtype="4" fill="hold" grpId="0" nodeType="withEffect">
+                                <p:cTn id="13" presetID="42" presetClass="entr" presetSubtype="0" fill="hold" grpId="0" nodeType="withEffect">
                                   <p:stCondLst>
                                     <p:cond delay="0"/>
                                   </p:stCondLst>
                                   <p:childTnLst>
                                     <p:set>
                                       <p:cBhvr>
-                                        <p:cTn id="13" dur="1" fill="hold">
+                                        <p:cTn id="14" dur="1" fill="hold">
                                           <p:stCondLst>
                                             <p:cond delay="0"/>
                                           </p:stCondLst>
@@ -6113,9 +6205,21 @@
                                         <p:strVal val="visible"/>
                                       </p:to>
                                     </p:set>
+                                    <p:animEffect transition="in" filter="fade">
+                                      <p:cBhvr>
+                                        <p:cTn id="15" dur="1000"/>
+                                        <p:tgtEl>
+                                          <p:spTgt spid="3">
+                                            <p:txEl>
+                                              <p:pRg st="1" end="1"/>
+                                            </p:txEl>
+                                          </p:spTgt>
+                                        </p:tgtEl>
+                                      </p:cBhvr>
+                                    </p:animEffect>
                                     <p:anim calcmode="lin" valueType="num">
-                                      <p:cBhvr additive="base">
-                                        <p:cTn id="14" dur="500" fill="hold"/>
+                                      <p:cBhvr>
+                                        <p:cTn id="16" dur="1000" fill="hold"/>
                                         <p:tgtEl>
                                           <p:spTgt spid="3">
                                             <p:txEl>
@@ -6141,8 +6245,8 @@
                                       </p:tavLst>
                                     </p:anim>
                                     <p:anim calcmode="lin" valueType="num">
-                                      <p:cBhvr additive="base">
-                                        <p:cTn id="15" dur="500" fill="hold"/>
+                                      <p:cBhvr>
+                                        <p:cTn id="17" dur="1000" fill="hold"/>
                                         <p:tgtEl>
                                           <p:spTgt spid="3">
                                             <p:txEl>
@@ -6157,7 +6261,7 @@
                                       <p:tavLst>
                                         <p:tav tm="0">
                                           <p:val>
-                                            <p:strVal val="1+#ppt_h/2"/>
+                                            <p:strVal val="#ppt_y+.1"/>
                                           </p:val>
                                         </p:tav>
                                         <p:tav tm="100000">
@@ -6171,14 +6275,14 @@
                                 </p:cTn>
                               </p:par>
                               <p:par>
-                                <p:cTn id="16" presetID="2" presetClass="entr" presetSubtype="4" fill="hold" grpId="0" nodeType="withEffect">
+                                <p:cTn id="18" presetID="42" presetClass="entr" presetSubtype="0" fill="hold" grpId="0" nodeType="withEffect">
                                   <p:stCondLst>
                                     <p:cond delay="0"/>
                                   </p:stCondLst>
                                   <p:childTnLst>
                                     <p:set>
                                       <p:cBhvr>
-                                        <p:cTn id="17" dur="1" fill="hold">
+                                        <p:cTn id="19" dur="1" fill="hold">
                                           <p:stCondLst>
                                             <p:cond delay="0"/>
                                           </p:stCondLst>
@@ -6198,9 +6302,21 @@
                                         <p:strVal val="visible"/>
                                       </p:to>
                                     </p:set>
+                                    <p:animEffect transition="in" filter="fade">
+                                      <p:cBhvr>
+                                        <p:cTn id="20" dur="1000"/>
+                                        <p:tgtEl>
+                                          <p:spTgt spid="3">
+                                            <p:txEl>
+                                              <p:pRg st="2" end="2"/>
+                                            </p:txEl>
+                                          </p:spTgt>
+                                        </p:tgtEl>
+                                      </p:cBhvr>
+                                    </p:animEffect>
                                     <p:anim calcmode="lin" valueType="num">
-                                      <p:cBhvr additive="base">
-                                        <p:cTn id="18" dur="500" fill="hold"/>
+                                      <p:cBhvr>
+                                        <p:cTn id="21" dur="1000" fill="hold"/>
                                         <p:tgtEl>
                                           <p:spTgt spid="3">
                                             <p:txEl>
@@ -6226,8 +6342,8 @@
                                       </p:tavLst>
                                     </p:anim>
                                     <p:anim calcmode="lin" valueType="num">
-                                      <p:cBhvr additive="base">
-                                        <p:cTn id="19" dur="500" fill="hold"/>
+                                      <p:cBhvr>
+                                        <p:cTn id="22" dur="1000" fill="hold"/>
                                         <p:tgtEl>
                                           <p:spTgt spid="3">
                                             <p:txEl>
@@ -6242,7 +6358,7 @@
                                       <p:tavLst>
                                         <p:tav tm="0">
                                           <p:val>
-                                            <p:strVal val="1+#ppt_h/2"/>
+                                            <p:strVal val="#ppt_y+.1"/>
                                           </p:val>
                                         </p:tav>
                                         <p:tav tm="100000">
@@ -6255,33 +6371,15 @@
                                   </p:childTnLst>
                                 </p:cTn>
                               </p:par>
-                            </p:childTnLst>
-                          </p:cTn>
-                        </p:par>
-                      </p:childTnLst>
-                    </p:cTn>
-                  </p:par>
-                  <p:par>
-                    <p:cTn id="20" fill="hold">
-                      <p:stCondLst>
-                        <p:cond delay="indefinite"/>
-                      </p:stCondLst>
-                      <p:childTnLst>
-                        <p:par>
-                          <p:cTn id="21" fill="hold">
-                            <p:stCondLst>
-                              <p:cond delay="0"/>
-                            </p:stCondLst>
-                            <p:childTnLst>
                               <p:par>
-                                <p:cTn id="22" presetID="2" presetClass="entr" presetSubtype="4" fill="hold" grpId="0" nodeType="clickEffect">
+                                <p:cTn id="23" presetID="42" presetClass="entr" presetSubtype="0" fill="hold" grpId="0" nodeType="withEffect">
                                   <p:stCondLst>
                                     <p:cond delay="0"/>
                                   </p:stCondLst>
                                   <p:childTnLst>
                                     <p:set>
                                       <p:cBhvr>
-                                        <p:cTn id="23" dur="1" fill="hold">
+                                        <p:cTn id="24" dur="1" fill="hold">
                                           <p:stCondLst>
                                             <p:cond delay="0"/>
                                           </p:stCondLst>
@@ -6301,9 +6399,21 @@
                                         <p:strVal val="visible"/>
                                       </p:to>
                                     </p:set>
+                                    <p:animEffect transition="in" filter="fade">
+                                      <p:cBhvr>
+                                        <p:cTn id="25" dur="1000"/>
+                                        <p:tgtEl>
+                                          <p:spTgt spid="3">
+                                            <p:txEl>
+                                              <p:pRg st="3" end="3"/>
+                                            </p:txEl>
+                                          </p:spTgt>
+                                        </p:tgtEl>
+                                      </p:cBhvr>
+                                    </p:animEffect>
                                     <p:anim calcmode="lin" valueType="num">
-                                      <p:cBhvr additive="base">
-                                        <p:cTn id="24" dur="500" fill="hold"/>
+                                      <p:cBhvr>
+                                        <p:cTn id="26" dur="1000" fill="hold"/>
                                         <p:tgtEl>
                                           <p:spTgt spid="3">
                                             <p:txEl>
@@ -6329,8 +6439,8 @@
                                       </p:tavLst>
                                     </p:anim>
                                     <p:anim calcmode="lin" valueType="num">
-                                      <p:cBhvr additive="base">
-                                        <p:cTn id="25" dur="500" fill="hold"/>
+                                      <p:cBhvr>
+                                        <p:cTn id="27" dur="1000" fill="hold"/>
                                         <p:tgtEl>
                                           <p:spTgt spid="3">
                                             <p:txEl>
@@ -6345,7 +6455,7 @@
                                       <p:tavLst>
                                         <p:tav tm="0">
                                           <p:val>
-                                            <p:strVal val="1+#ppt_h/2"/>
+                                            <p:strVal val="#ppt_y+.1"/>
                                           </p:val>
                                         </p:tav>
                                         <p:tav tm="100000">
@@ -6359,14 +6469,14 @@
                                 </p:cTn>
                               </p:par>
                               <p:par>
-                                <p:cTn id="26" presetID="2" presetClass="entr" presetSubtype="4" fill="hold" grpId="0" nodeType="withEffect">
+                                <p:cTn id="28" presetID="42" presetClass="entr" presetSubtype="0" fill="hold" grpId="0" nodeType="withEffect">
                                   <p:stCondLst>
                                     <p:cond delay="0"/>
                                   </p:stCondLst>
                                   <p:childTnLst>
                                     <p:set>
                                       <p:cBhvr>
-                                        <p:cTn id="27" dur="1" fill="hold">
+                                        <p:cTn id="29" dur="1" fill="hold">
                                           <p:stCondLst>
                                             <p:cond delay="0"/>
                                           </p:stCondLst>
@@ -6386,9 +6496,21 @@
                                         <p:strVal val="visible"/>
                                       </p:to>
                                     </p:set>
+                                    <p:animEffect transition="in" filter="fade">
+                                      <p:cBhvr>
+                                        <p:cTn id="30" dur="1000"/>
+                                        <p:tgtEl>
+                                          <p:spTgt spid="3">
+                                            <p:txEl>
+                                              <p:pRg st="5" end="5"/>
+                                            </p:txEl>
+                                          </p:spTgt>
+                                        </p:tgtEl>
+                                      </p:cBhvr>
+                                    </p:animEffect>
                                     <p:anim calcmode="lin" valueType="num">
-                                      <p:cBhvr additive="base">
-                                        <p:cTn id="28" dur="500" fill="hold"/>
+                                      <p:cBhvr>
+                                        <p:cTn id="31" dur="1000" fill="hold"/>
                                         <p:tgtEl>
                                           <p:spTgt spid="3">
                                             <p:txEl>
@@ -6414,8 +6536,8 @@
                                       </p:tavLst>
                                     </p:anim>
                                     <p:anim calcmode="lin" valueType="num">
-                                      <p:cBhvr additive="base">
-                                        <p:cTn id="29" dur="500" fill="hold"/>
+                                      <p:cBhvr>
+                                        <p:cTn id="32" dur="1000" fill="hold"/>
                                         <p:tgtEl>
                                           <p:spTgt spid="3">
                                             <p:txEl>
@@ -6430,7 +6552,7 @@
                                       <p:tavLst>
                                         <p:tav tm="0">
                                           <p:val>
-                                            <p:strVal val="1+#ppt_h/2"/>
+                                            <p:strVal val="#ppt_y+.1"/>
                                           </p:val>
                                         </p:tav>
                                         <p:tav tm="100000">
@@ -6444,14 +6566,14 @@
                                 </p:cTn>
                               </p:par>
                               <p:par>
-                                <p:cTn id="30" presetID="2" presetClass="entr" presetSubtype="4" fill="hold" grpId="0" nodeType="withEffect">
+                                <p:cTn id="33" presetID="42" presetClass="entr" presetSubtype="0" fill="hold" grpId="0" nodeType="withEffect">
                                   <p:stCondLst>
                                     <p:cond delay="0"/>
                                   </p:stCondLst>
                                   <p:childTnLst>
                                     <p:set>
                                       <p:cBhvr>
-                                        <p:cTn id="31" dur="1" fill="hold">
+                                        <p:cTn id="34" dur="1" fill="hold">
                                           <p:stCondLst>
                                             <p:cond delay="0"/>
                                           </p:stCondLst>
@@ -6471,9 +6593,21 @@
                                         <p:strVal val="visible"/>
                                       </p:to>
                                     </p:set>
+                                    <p:animEffect transition="in" filter="fade">
+                                      <p:cBhvr>
+                                        <p:cTn id="35" dur="1000"/>
+                                        <p:tgtEl>
+                                          <p:spTgt spid="3">
+                                            <p:txEl>
+                                              <p:pRg st="7" end="7"/>
+                                            </p:txEl>
+                                          </p:spTgt>
+                                        </p:tgtEl>
+                                      </p:cBhvr>
+                                    </p:animEffect>
                                     <p:anim calcmode="lin" valueType="num">
-                                      <p:cBhvr additive="base">
-                                        <p:cTn id="32" dur="500" fill="hold"/>
+                                      <p:cBhvr>
+                                        <p:cTn id="36" dur="1000" fill="hold"/>
                                         <p:tgtEl>
                                           <p:spTgt spid="3">
                                             <p:txEl>
@@ -6499,8 +6633,8 @@
                                       </p:tavLst>
                                     </p:anim>
                                     <p:anim calcmode="lin" valueType="num">
-                                      <p:cBhvr additive="base">
-                                        <p:cTn id="33" dur="500" fill="hold"/>
+                                      <p:cBhvr>
+                                        <p:cTn id="37" dur="1000" fill="hold"/>
                                         <p:tgtEl>
                                           <p:spTgt spid="3">
                                             <p:txEl>
@@ -6515,7 +6649,7 @@
                                       <p:tavLst>
                                         <p:tav tm="0">
                                           <p:val>
-                                            <p:strVal val="1+#ppt_h/2"/>
+                                            <p:strVal val="#ppt_y+.1"/>
                                           </p:val>
                                         </p:tav>
                                         <p:tav tm="100000">
@@ -6529,92 +6663,7 @@
                                 </p:cTn>
                               </p:par>
                               <p:par>
-                                <p:cTn id="34" presetID="2" presetClass="entr" presetSubtype="4" fill="hold" grpId="0" nodeType="withEffect">
-                                  <p:stCondLst>
-                                    <p:cond delay="0"/>
-                                  </p:stCondLst>
-                                  <p:childTnLst>
-                                    <p:set>
-                                      <p:cBhvr>
-                                        <p:cTn id="35" dur="1" fill="hold">
-                                          <p:stCondLst>
-                                            <p:cond delay="0"/>
-                                          </p:stCondLst>
-                                        </p:cTn>
-                                        <p:tgtEl>
-                                          <p:spTgt spid="3">
-                                            <p:txEl>
-                                              <p:pRg st="9" end="9"/>
-                                            </p:txEl>
-                                          </p:spTgt>
-                                        </p:tgtEl>
-                                        <p:attrNameLst>
-                                          <p:attrName>style.visibility</p:attrName>
-                                        </p:attrNameLst>
-                                      </p:cBhvr>
-                                      <p:to>
-                                        <p:strVal val="visible"/>
-                                      </p:to>
-                                    </p:set>
-                                    <p:anim calcmode="lin" valueType="num">
-                                      <p:cBhvr additive="base">
-                                        <p:cTn id="36" dur="500" fill="hold"/>
-                                        <p:tgtEl>
-                                          <p:spTgt spid="3">
-                                            <p:txEl>
-                                              <p:pRg st="9" end="9"/>
-                                            </p:txEl>
-                                          </p:spTgt>
-                                        </p:tgtEl>
-                                        <p:attrNameLst>
-                                          <p:attrName>ppt_x</p:attrName>
-                                        </p:attrNameLst>
-                                      </p:cBhvr>
-                                      <p:tavLst>
-                                        <p:tav tm="0">
-                                          <p:val>
-                                            <p:strVal val="#ppt_x"/>
-                                          </p:val>
-                                        </p:tav>
-                                        <p:tav tm="100000">
-                                          <p:val>
-                                            <p:strVal val="#ppt_x"/>
-                                          </p:val>
-                                        </p:tav>
-                                      </p:tavLst>
-                                    </p:anim>
-                                    <p:anim calcmode="lin" valueType="num">
-                                      <p:cBhvr additive="base">
-                                        <p:cTn id="37" dur="500" fill="hold"/>
-                                        <p:tgtEl>
-                                          <p:spTgt spid="3">
-                                            <p:txEl>
-                                              <p:pRg st="9" end="9"/>
-                                            </p:txEl>
-                                          </p:spTgt>
-                                        </p:tgtEl>
-                                        <p:attrNameLst>
-                                          <p:attrName>ppt_y</p:attrName>
-                                        </p:attrNameLst>
-                                      </p:cBhvr>
-                                      <p:tavLst>
-                                        <p:tav tm="0">
-                                          <p:val>
-                                            <p:strVal val="1+#ppt_h/2"/>
-                                          </p:val>
-                                        </p:tav>
-                                        <p:tav tm="100000">
-                                          <p:val>
-                                            <p:strVal val="#ppt_y"/>
-                                          </p:val>
-                                        </p:tav>
-                                      </p:tavLst>
-                                    </p:anim>
-                                  </p:childTnLst>
-                                </p:cTn>
-                              </p:par>
-                              <p:par>
-                                <p:cTn id="38" presetID="2" presetClass="entr" presetSubtype="4" fill="hold" grpId="0" nodeType="withEffect">
+                                <p:cTn id="38" presetID="42" presetClass="entr" presetSubtype="0" fill="hold" grpId="0" nodeType="withEffect">
                                   <p:stCondLst>
                                     <p:cond delay="0"/>
                                   </p:stCondLst>
@@ -6629,7 +6678,7 @@
                                         <p:tgtEl>
                                           <p:spTgt spid="3">
                                             <p:txEl>
-                                              <p:pRg st="10" end="10"/>
+                                              <p:pRg st="9" end="9"/>
                                             </p:txEl>
                                           </p:spTgt>
                                         </p:tgtEl>
@@ -6641,13 +6690,25 @@
                                         <p:strVal val="visible"/>
                                       </p:to>
                                     </p:set>
+                                    <p:animEffect transition="in" filter="fade">
+                                      <p:cBhvr>
+                                        <p:cTn id="40" dur="1000"/>
+                                        <p:tgtEl>
+                                          <p:spTgt spid="3">
+                                            <p:txEl>
+                                              <p:pRg st="9" end="9"/>
+                                            </p:txEl>
+                                          </p:spTgt>
+                                        </p:tgtEl>
+                                      </p:cBhvr>
+                                    </p:animEffect>
                                     <p:anim calcmode="lin" valueType="num">
-                                      <p:cBhvr additive="base">
-                                        <p:cTn id="40" dur="500" fill="hold"/>
-                                        <p:tgtEl>
-                                          <p:spTgt spid="3">
-                                            <p:txEl>
-                                              <p:pRg st="10" end="10"/>
+                                      <p:cBhvr>
+                                        <p:cTn id="41" dur="1000" fill="hold"/>
+                                        <p:tgtEl>
+                                          <p:spTgt spid="3">
+                                            <p:txEl>
+                                              <p:pRg st="9" end="9"/>
                                             </p:txEl>
                                           </p:spTgt>
                                         </p:tgtEl>
@@ -6669,12 +6730,12 @@
                                       </p:tavLst>
                                     </p:anim>
                                     <p:anim calcmode="lin" valueType="num">
-                                      <p:cBhvr additive="base">
-                                        <p:cTn id="41" dur="500" fill="hold"/>
-                                        <p:tgtEl>
-                                          <p:spTgt spid="3">
-                                            <p:txEl>
-                                              <p:pRg st="10" end="10"/>
+                                      <p:cBhvr>
+                                        <p:cTn id="42" dur="1000" fill="hold"/>
+                                        <p:tgtEl>
+                                          <p:spTgt spid="3">
+                                            <p:txEl>
+                                              <p:pRg st="9" end="9"/>
                                             </p:txEl>
                                           </p:spTgt>
                                         </p:tgtEl>
@@ -6685,7 +6746,7 @@
                                       <p:tavLst>
                                         <p:tav tm="0">
                                           <p:val>
-                                            <p:strVal val="1+#ppt_h/2"/>
+                                            <p:strVal val="#ppt_y+.1"/>
                                           </p:val>
                                         </p:tav>
                                         <p:tav tm="100000">
@@ -6698,33 +6759,15 @@
                                   </p:childTnLst>
                                 </p:cTn>
                               </p:par>
-                            </p:childTnLst>
-                          </p:cTn>
-                        </p:par>
-                      </p:childTnLst>
-                    </p:cTn>
-                  </p:par>
-                  <p:par>
-                    <p:cTn id="42" fill="hold">
-                      <p:stCondLst>
-                        <p:cond delay="indefinite"/>
-                      </p:stCondLst>
-                      <p:childTnLst>
-                        <p:par>
-                          <p:cTn id="43" fill="hold">
-                            <p:stCondLst>
-                              <p:cond delay="0"/>
-                            </p:stCondLst>
-                            <p:childTnLst>
                               <p:par>
-                                <p:cTn id="44" presetID="2" presetClass="entr" presetSubtype="4" fill="hold" grpId="0" nodeType="clickEffect">
+                                <p:cTn id="43" presetID="42" presetClass="entr" presetSubtype="0" fill="hold" grpId="0" nodeType="withEffect">
                                   <p:stCondLst>
                                     <p:cond delay="0"/>
                                   </p:stCondLst>
                                   <p:childTnLst>
                                     <p:set>
                                       <p:cBhvr>
-                                        <p:cTn id="45" dur="1" fill="hold">
+                                        <p:cTn id="44" dur="1" fill="hold">
                                           <p:stCondLst>
                                             <p:cond delay="0"/>
                                           </p:stCondLst>
@@ -6732,7 +6775,7 @@
                                         <p:tgtEl>
                                           <p:spTgt spid="3">
                                             <p:txEl>
-                                              <p:pRg st="12" end="12"/>
+                                              <p:pRg st="10" end="10"/>
                                             </p:txEl>
                                           </p:spTgt>
                                         </p:tgtEl>
@@ -6744,13 +6787,25 @@
                                         <p:strVal val="visible"/>
                                       </p:to>
                                     </p:set>
+                                    <p:animEffect transition="in" filter="fade">
+                                      <p:cBhvr>
+                                        <p:cTn id="45" dur="1000"/>
+                                        <p:tgtEl>
+                                          <p:spTgt spid="3">
+                                            <p:txEl>
+                                              <p:pRg st="10" end="10"/>
+                                            </p:txEl>
+                                          </p:spTgt>
+                                        </p:tgtEl>
+                                      </p:cBhvr>
+                                    </p:animEffect>
                                     <p:anim calcmode="lin" valueType="num">
-                                      <p:cBhvr additive="base">
-                                        <p:cTn id="46" dur="500" fill="hold"/>
-                                        <p:tgtEl>
-                                          <p:spTgt spid="3">
-                                            <p:txEl>
-                                              <p:pRg st="12" end="12"/>
+                                      <p:cBhvr>
+                                        <p:cTn id="46" dur="1000" fill="hold"/>
+                                        <p:tgtEl>
+                                          <p:spTgt spid="3">
+                                            <p:txEl>
+                                              <p:pRg st="10" end="10"/>
                                             </p:txEl>
                                           </p:spTgt>
                                         </p:tgtEl>
@@ -6772,12 +6827,12 @@
                                       </p:tavLst>
                                     </p:anim>
                                     <p:anim calcmode="lin" valueType="num">
-                                      <p:cBhvr additive="base">
-                                        <p:cTn id="47" dur="500" fill="hold"/>
-                                        <p:tgtEl>
-                                          <p:spTgt spid="3">
-                                            <p:txEl>
-                                              <p:pRg st="12" end="12"/>
+                                      <p:cBhvr>
+                                        <p:cTn id="47" dur="1000" fill="hold"/>
+                                        <p:tgtEl>
+                                          <p:spTgt spid="3">
+                                            <p:txEl>
+                                              <p:pRg st="10" end="10"/>
                                             </p:txEl>
                                           </p:spTgt>
                                         </p:tgtEl>
@@ -6788,7 +6843,7 @@
                                       <p:tavLst>
                                         <p:tav tm="0">
                                           <p:val>
-                                            <p:strVal val="1+#ppt_h/2"/>
+                                            <p:strVal val="#ppt_y+.1"/>
                                           </p:val>
                                         </p:tav>
                                         <p:tav tm="100000">
@@ -6802,7 +6857,7 @@
                                 </p:cTn>
                               </p:par>
                               <p:par>
-                                <p:cTn id="48" presetID="2" presetClass="entr" presetSubtype="4" fill="hold" grpId="0" nodeType="withEffect">
+                                <p:cTn id="48" presetID="42" presetClass="entr" presetSubtype="0" fill="hold" grpId="0" nodeType="withEffect">
                                   <p:stCondLst>
                                     <p:cond delay="0"/>
                                   </p:stCondLst>
@@ -6817,7 +6872,7 @@
                                         <p:tgtEl>
                                           <p:spTgt spid="3">
                                             <p:txEl>
-                                              <p:pRg st="14" end="14"/>
+                                              <p:pRg st="11" end="11"/>
                                             </p:txEl>
                                           </p:spTgt>
                                         </p:tgtEl>
@@ -6829,13 +6884,25 @@
                                         <p:strVal val="visible"/>
                                       </p:to>
                                     </p:set>
+                                    <p:animEffect transition="in" filter="fade">
+                                      <p:cBhvr>
+                                        <p:cTn id="50" dur="1000"/>
+                                        <p:tgtEl>
+                                          <p:spTgt spid="3">
+                                            <p:txEl>
+                                              <p:pRg st="11" end="11"/>
+                                            </p:txEl>
+                                          </p:spTgt>
+                                        </p:tgtEl>
+                                      </p:cBhvr>
+                                    </p:animEffect>
                                     <p:anim calcmode="lin" valueType="num">
-                                      <p:cBhvr additive="base">
-                                        <p:cTn id="50" dur="500" fill="hold"/>
-                                        <p:tgtEl>
-                                          <p:spTgt spid="3">
-                                            <p:txEl>
-                                              <p:pRg st="14" end="14"/>
+                                      <p:cBhvr>
+                                        <p:cTn id="51" dur="1000" fill="hold"/>
+                                        <p:tgtEl>
+                                          <p:spTgt spid="3">
+                                            <p:txEl>
+                                              <p:pRg st="11" end="11"/>
                                             </p:txEl>
                                           </p:spTgt>
                                         </p:tgtEl>
@@ -6857,12 +6924,12 @@
                                       </p:tavLst>
                                     </p:anim>
                                     <p:anim calcmode="lin" valueType="num">
-                                      <p:cBhvr additive="base">
-                                        <p:cTn id="51" dur="500" fill="hold"/>
-                                        <p:tgtEl>
-                                          <p:spTgt spid="3">
-                                            <p:txEl>
-                                              <p:pRg st="14" end="14"/>
+                                      <p:cBhvr>
+                                        <p:cTn id="52" dur="1000" fill="hold"/>
+                                        <p:tgtEl>
+                                          <p:spTgt spid="3">
+                                            <p:txEl>
+                                              <p:pRg st="11" end="11"/>
                                             </p:txEl>
                                           </p:spTgt>
                                         </p:tgtEl>
@@ -6873,7 +6940,395 @@
                                       <p:tavLst>
                                         <p:tav tm="0">
                                           <p:val>
-                                            <p:strVal val="1+#ppt_h/2"/>
+                                            <p:strVal val="#ppt_y+.1"/>
+                                          </p:val>
+                                        </p:tav>
+                                        <p:tav tm="100000">
+                                          <p:val>
+                                            <p:strVal val="#ppt_y"/>
+                                          </p:val>
+                                        </p:tav>
+                                      </p:tavLst>
+                                    </p:anim>
+                                  </p:childTnLst>
+                                </p:cTn>
+                              </p:par>
+                              <p:par>
+                                <p:cTn id="53" presetID="42" presetClass="entr" presetSubtype="0" fill="hold" grpId="0" nodeType="withEffect">
+                                  <p:stCondLst>
+                                    <p:cond delay="0"/>
+                                  </p:stCondLst>
+                                  <p:childTnLst>
+                                    <p:set>
+                                      <p:cBhvr>
+                                        <p:cTn id="54" dur="1" fill="hold">
+                                          <p:stCondLst>
+                                            <p:cond delay="0"/>
+                                          </p:stCondLst>
+                                        </p:cTn>
+                                        <p:tgtEl>
+                                          <p:spTgt spid="3">
+                                            <p:txEl>
+                                              <p:pRg st="13" end="13"/>
+                                            </p:txEl>
+                                          </p:spTgt>
+                                        </p:tgtEl>
+                                        <p:attrNameLst>
+                                          <p:attrName>style.visibility</p:attrName>
+                                        </p:attrNameLst>
+                                      </p:cBhvr>
+                                      <p:to>
+                                        <p:strVal val="visible"/>
+                                      </p:to>
+                                    </p:set>
+                                    <p:animEffect transition="in" filter="fade">
+                                      <p:cBhvr>
+                                        <p:cTn id="55" dur="1000"/>
+                                        <p:tgtEl>
+                                          <p:spTgt spid="3">
+                                            <p:txEl>
+                                              <p:pRg st="13" end="13"/>
+                                            </p:txEl>
+                                          </p:spTgt>
+                                        </p:tgtEl>
+                                      </p:cBhvr>
+                                    </p:animEffect>
+                                    <p:anim calcmode="lin" valueType="num">
+                                      <p:cBhvr>
+                                        <p:cTn id="56" dur="1000" fill="hold"/>
+                                        <p:tgtEl>
+                                          <p:spTgt spid="3">
+                                            <p:txEl>
+                                              <p:pRg st="13" end="13"/>
+                                            </p:txEl>
+                                          </p:spTgt>
+                                        </p:tgtEl>
+                                        <p:attrNameLst>
+                                          <p:attrName>ppt_x</p:attrName>
+                                        </p:attrNameLst>
+                                      </p:cBhvr>
+                                      <p:tavLst>
+                                        <p:tav tm="0">
+                                          <p:val>
+                                            <p:strVal val="#ppt_x"/>
+                                          </p:val>
+                                        </p:tav>
+                                        <p:tav tm="100000">
+                                          <p:val>
+                                            <p:strVal val="#ppt_x"/>
+                                          </p:val>
+                                        </p:tav>
+                                      </p:tavLst>
+                                    </p:anim>
+                                    <p:anim calcmode="lin" valueType="num">
+                                      <p:cBhvr>
+                                        <p:cTn id="57" dur="1000" fill="hold"/>
+                                        <p:tgtEl>
+                                          <p:spTgt spid="3">
+                                            <p:txEl>
+                                              <p:pRg st="13" end="13"/>
+                                            </p:txEl>
+                                          </p:spTgt>
+                                        </p:tgtEl>
+                                        <p:attrNameLst>
+                                          <p:attrName>ppt_y</p:attrName>
+                                        </p:attrNameLst>
+                                      </p:cBhvr>
+                                      <p:tavLst>
+                                        <p:tav tm="0">
+                                          <p:val>
+                                            <p:strVal val="#ppt_y+.1"/>
+                                          </p:val>
+                                        </p:tav>
+                                        <p:tav tm="100000">
+                                          <p:val>
+                                            <p:strVal val="#ppt_y"/>
+                                          </p:val>
+                                        </p:tav>
+                                      </p:tavLst>
+                                    </p:anim>
+                                  </p:childTnLst>
+                                </p:cTn>
+                              </p:par>
+                              <p:par>
+                                <p:cTn id="58" presetID="42" presetClass="entr" presetSubtype="0" fill="hold" grpId="0" nodeType="withEffect">
+                                  <p:stCondLst>
+                                    <p:cond delay="0"/>
+                                  </p:stCondLst>
+                                  <p:childTnLst>
+                                    <p:set>
+                                      <p:cBhvr>
+                                        <p:cTn id="59" dur="1" fill="hold">
+                                          <p:stCondLst>
+                                            <p:cond delay="0"/>
+                                          </p:stCondLst>
+                                        </p:cTn>
+                                        <p:tgtEl>
+                                          <p:spTgt spid="3">
+                                            <p:txEl>
+                                              <p:pRg st="15" end="15"/>
+                                            </p:txEl>
+                                          </p:spTgt>
+                                        </p:tgtEl>
+                                        <p:attrNameLst>
+                                          <p:attrName>style.visibility</p:attrName>
+                                        </p:attrNameLst>
+                                      </p:cBhvr>
+                                      <p:to>
+                                        <p:strVal val="visible"/>
+                                      </p:to>
+                                    </p:set>
+                                    <p:animEffect transition="in" filter="fade">
+                                      <p:cBhvr>
+                                        <p:cTn id="60" dur="1000"/>
+                                        <p:tgtEl>
+                                          <p:spTgt spid="3">
+                                            <p:txEl>
+                                              <p:pRg st="15" end="15"/>
+                                            </p:txEl>
+                                          </p:spTgt>
+                                        </p:tgtEl>
+                                      </p:cBhvr>
+                                    </p:animEffect>
+                                    <p:anim calcmode="lin" valueType="num">
+                                      <p:cBhvr>
+                                        <p:cTn id="61" dur="1000" fill="hold"/>
+                                        <p:tgtEl>
+                                          <p:spTgt spid="3">
+                                            <p:txEl>
+                                              <p:pRg st="15" end="15"/>
+                                            </p:txEl>
+                                          </p:spTgt>
+                                        </p:tgtEl>
+                                        <p:attrNameLst>
+                                          <p:attrName>ppt_x</p:attrName>
+                                        </p:attrNameLst>
+                                      </p:cBhvr>
+                                      <p:tavLst>
+                                        <p:tav tm="0">
+                                          <p:val>
+                                            <p:strVal val="#ppt_x"/>
+                                          </p:val>
+                                        </p:tav>
+                                        <p:tav tm="100000">
+                                          <p:val>
+                                            <p:strVal val="#ppt_x"/>
+                                          </p:val>
+                                        </p:tav>
+                                      </p:tavLst>
+                                    </p:anim>
+                                    <p:anim calcmode="lin" valueType="num">
+                                      <p:cBhvr>
+                                        <p:cTn id="62" dur="1000" fill="hold"/>
+                                        <p:tgtEl>
+                                          <p:spTgt spid="3">
+                                            <p:txEl>
+                                              <p:pRg st="15" end="15"/>
+                                            </p:txEl>
+                                          </p:spTgt>
+                                        </p:tgtEl>
+                                        <p:attrNameLst>
+                                          <p:attrName>ppt_y</p:attrName>
+                                        </p:attrNameLst>
+                                      </p:cBhvr>
+                                      <p:tavLst>
+                                        <p:tav tm="0">
+                                          <p:val>
+                                            <p:strVal val="#ppt_y+.1"/>
+                                          </p:val>
+                                        </p:tav>
+                                        <p:tav tm="100000">
+                                          <p:val>
+                                            <p:strVal val="#ppt_y"/>
+                                          </p:val>
+                                        </p:tav>
+                                      </p:tavLst>
+                                    </p:anim>
+                                  </p:childTnLst>
+                                </p:cTn>
+                              </p:par>
+                              <p:par>
+                                <p:cTn id="63" presetID="42" presetClass="entr" presetSubtype="0" fill="hold" grpId="0" nodeType="withEffect">
+                                  <p:stCondLst>
+                                    <p:cond delay="0"/>
+                                  </p:stCondLst>
+                                  <p:childTnLst>
+                                    <p:set>
+                                      <p:cBhvr>
+                                        <p:cTn id="64" dur="1" fill="hold">
+                                          <p:stCondLst>
+                                            <p:cond delay="0"/>
+                                          </p:stCondLst>
+                                        </p:cTn>
+                                        <p:tgtEl>
+                                          <p:spTgt spid="3">
+                                            <p:txEl>
+                                              <p:pRg st="17" end="17"/>
+                                            </p:txEl>
+                                          </p:spTgt>
+                                        </p:tgtEl>
+                                        <p:attrNameLst>
+                                          <p:attrName>style.visibility</p:attrName>
+                                        </p:attrNameLst>
+                                      </p:cBhvr>
+                                      <p:to>
+                                        <p:strVal val="visible"/>
+                                      </p:to>
+                                    </p:set>
+                                    <p:animEffect transition="in" filter="fade">
+                                      <p:cBhvr>
+                                        <p:cTn id="65" dur="1000"/>
+                                        <p:tgtEl>
+                                          <p:spTgt spid="3">
+                                            <p:txEl>
+                                              <p:pRg st="17" end="17"/>
+                                            </p:txEl>
+                                          </p:spTgt>
+                                        </p:tgtEl>
+                                      </p:cBhvr>
+                                    </p:animEffect>
+                                    <p:anim calcmode="lin" valueType="num">
+                                      <p:cBhvr>
+                                        <p:cTn id="66" dur="1000" fill="hold"/>
+                                        <p:tgtEl>
+                                          <p:spTgt spid="3">
+                                            <p:txEl>
+                                              <p:pRg st="17" end="17"/>
+                                            </p:txEl>
+                                          </p:spTgt>
+                                        </p:tgtEl>
+                                        <p:attrNameLst>
+                                          <p:attrName>ppt_x</p:attrName>
+                                        </p:attrNameLst>
+                                      </p:cBhvr>
+                                      <p:tavLst>
+                                        <p:tav tm="0">
+                                          <p:val>
+                                            <p:strVal val="#ppt_x"/>
+                                          </p:val>
+                                        </p:tav>
+                                        <p:tav tm="100000">
+                                          <p:val>
+                                            <p:strVal val="#ppt_x"/>
+                                          </p:val>
+                                        </p:tav>
+                                      </p:tavLst>
+                                    </p:anim>
+                                    <p:anim calcmode="lin" valueType="num">
+                                      <p:cBhvr>
+                                        <p:cTn id="67" dur="1000" fill="hold"/>
+                                        <p:tgtEl>
+                                          <p:spTgt spid="3">
+                                            <p:txEl>
+                                              <p:pRg st="17" end="17"/>
+                                            </p:txEl>
+                                          </p:spTgt>
+                                        </p:tgtEl>
+                                        <p:attrNameLst>
+                                          <p:attrName>ppt_y</p:attrName>
+                                        </p:attrNameLst>
+                                      </p:cBhvr>
+                                      <p:tavLst>
+                                        <p:tav tm="0">
+                                          <p:val>
+                                            <p:strVal val="#ppt_y+.1"/>
+                                          </p:val>
+                                        </p:tav>
+                                        <p:tav tm="100000">
+                                          <p:val>
+                                            <p:strVal val="#ppt_y"/>
+                                          </p:val>
+                                        </p:tav>
+                                      </p:tavLst>
+                                    </p:anim>
+                                  </p:childTnLst>
+                                </p:cTn>
+                              </p:par>
+                              <p:par>
+                                <p:cTn id="68" presetID="42" presetClass="entr" presetSubtype="0" fill="hold" grpId="0" nodeType="withEffect">
+                                  <p:stCondLst>
+                                    <p:cond delay="0"/>
+                                  </p:stCondLst>
+                                  <p:childTnLst>
+                                    <p:set>
+                                      <p:cBhvr>
+                                        <p:cTn id="69" dur="1" fill="hold">
+                                          <p:stCondLst>
+                                            <p:cond delay="0"/>
+                                          </p:stCondLst>
+                                        </p:cTn>
+                                        <p:tgtEl>
+                                          <p:spTgt spid="3">
+                                            <p:txEl>
+                                              <p:pRg st="18" end="18"/>
+                                            </p:txEl>
+                                          </p:spTgt>
+                                        </p:tgtEl>
+                                        <p:attrNameLst>
+                                          <p:attrName>style.visibility</p:attrName>
+                                        </p:attrNameLst>
+                                      </p:cBhvr>
+                                      <p:to>
+                                        <p:strVal val="visible"/>
+                                      </p:to>
+                                    </p:set>
+                                    <p:animEffect transition="in" filter="fade">
+                                      <p:cBhvr>
+                                        <p:cTn id="70" dur="1000"/>
+                                        <p:tgtEl>
+                                          <p:spTgt spid="3">
+                                            <p:txEl>
+                                              <p:pRg st="18" end="18"/>
+                                            </p:txEl>
+                                          </p:spTgt>
+                                        </p:tgtEl>
+                                      </p:cBhvr>
+                                    </p:animEffect>
+                                    <p:anim calcmode="lin" valueType="num">
+                                      <p:cBhvr>
+                                        <p:cTn id="71" dur="1000" fill="hold"/>
+                                        <p:tgtEl>
+                                          <p:spTgt spid="3">
+                                            <p:txEl>
+                                              <p:pRg st="18" end="18"/>
+                                            </p:txEl>
+                                          </p:spTgt>
+                                        </p:tgtEl>
+                                        <p:attrNameLst>
+                                          <p:attrName>ppt_x</p:attrName>
+                                        </p:attrNameLst>
+                                      </p:cBhvr>
+                                      <p:tavLst>
+                                        <p:tav tm="0">
+                                          <p:val>
+                                            <p:strVal val="#ppt_x"/>
+                                          </p:val>
+                                        </p:tav>
+                                        <p:tav tm="100000">
+                                          <p:val>
+                                            <p:strVal val="#ppt_x"/>
+                                          </p:val>
+                                        </p:tav>
+                                      </p:tavLst>
+                                    </p:anim>
+                                    <p:anim calcmode="lin" valueType="num">
+                                      <p:cBhvr>
+                                        <p:cTn id="72" dur="1000" fill="hold"/>
+                                        <p:tgtEl>
+                                          <p:spTgt spid="3">
+                                            <p:txEl>
+                                              <p:pRg st="18" end="18"/>
+                                            </p:txEl>
+                                          </p:spTgt>
+                                        </p:tgtEl>
+                                        <p:attrNameLst>
+                                          <p:attrName>ppt_y</p:attrName>
+                                        </p:attrNameLst>
+                                      </p:cBhvr>
+                                      <p:tavLst>
+                                        <p:tav tm="0">
+                                          <p:val>
+                                            <p:strVal val="#ppt_y+.1"/>
                                           </p:val>
                                         </p:tav>
                                         <p:tav tm="100000">
@@ -7025,7 +7480,7 @@
         </p:spPr>
         <p:txBody>
           <a:bodyPr>
-            <a:normAutofit fontScale="40000" lnSpcReduction="20000"/>
+            <a:normAutofit fontScale="47500" lnSpcReduction="20000"/>
           </a:bodyPr>
           <a:lstStyle/>
           <a:p>
@@ -7076,16 +7531,10 @@
                   <a:schemeClr val="bg1"/>
                 </a:solidFill>
               </a:rPr>
-              <a:t>with </a:t>
-            </a:r>
-            <a:r>
-              <a:rPr lang="en-US" sz="6300" dirty="0" smtClean="0">
-                <a:solidFill>
-                  <a:schemeClr val="bg1"/>
-                </a:solidFill>
-              </a:rPr>
-              <a:t>scratch.mit.edu/projects/17772258</a:t>
-            </a:r>
+              <a:t>with scratch.mit.edu/projects/17772258</a:t>
+            </a:r>
+          </a:p>
+          <a:p>
             <a:endParaRPr lang="en-US" sz="6300" dirty="0" smtClean="0">
               <a:solidFill>
                 <a:schemeClr val="bg1"/>
@@ -7093,13 +7542,6 @@
             </a:endParaRPr>
           </a:p>
           <a:p>
-            <a:endParaRPr lang="en-US" sz="6300" dirty="0" smtClean="0">
-              <a:solidFill>
-                <a:schemeClr val="bg1"/>
-              </a:solidFill>
-            </a:endParaRPr>
-          </a:p>
-          <a:p>
             <a:r>
               <a:rPr lang="en-US" sz="6300" dirty="0" smtClean="0">
                 <a:solidFill>
@@ -7117,31 +7559,7 @@
                   <a:schemeClr val="bg1"/>
                 </a:solidFill>
               </a:rPr>
-              <a:t>I chose </a:t>
-            </a:r>
-            <a:r>
-              <a:rPr lang="en-US" sz="6000" dirty="0" smtClean="0">
-                <a:solidFill>
-                  <a:schemeClr val="bg1"/>
-                </a:solidFill>
-              </a:rPr>
-              <a:t>‘stars’ </a:t>
-            </a:r>
-            <a:r>
-              <a:rPr lang="en-US" sz="6000" dirty="0" smtClean="0">
-                <a:solidFill>
-                  <a:schemeClr val="bg1"/>
-                </a:solidFill>
-              </a:rPr>
-              <a:t>from the built-in </a:t>
-            </a:r>
-            <a:r>
-              <a:rPr lang="en-US" sz="6000" dirty="0" smtClean="0">
-                <a:solidFill>
-                  <a:schemeClr val="bg1"/>
-                </a:solidFill>
-              </a:rPr>
-              <a:t>backgrounds</a:t>
+              <a:t>I chose ‘stars’ from the built-in backgrounds</a:t>
             </a:r>
           </a:p>
           <a:p>
@@ -7161,21 +7579,6 @@
               </a:rPr>
               <a:t>Make the ship rotate (by 8 degrees) when you press right or left keys</a:t>
             </a:r>
-          </a:p>
-          <a:p>
-            <a:r>
-              <a:rPr lang="en-US" sz="6300" dirty="0" smtClean="0">
-                <a:solidFill>
-                  <a:schemeClr val="bg1"/>
-                </a:solidFill>
-              </a:rPr>
-              <a:t>If you finish that, make the ship speed up and slow down when you press up and down keys</a:t>
-            </a:r>
-            <a:endParaRPr lang="en-US" sz="6300" dirty="0" smtClean="0">
-              <a:solidFill>
-                <a:schemeClr val="bg1"/>
-              </a:solidFill>
-            </a:endParaRPr>
           </a:p>
           <a:p>
             <a:pPr marL="0" indent="0">
@@ -7820,109 +8223,6 @@
                                           <p:spTgt spid="3">
                                             <p:txEl>
                                               <p:pRg st="8" end="8"/>
-                                            </p:txEl>
-                                          </p:spTgt>
-                                        </p:tgtEl>
-                                        <p:attrNameLst>
-                                          <p:attrName>ppt_y</p:attrName>
-                                        </p:attrNameLst>
-                                      </p:cBhvr>
-                                      <p:tavLst>
-                                        <p:tav tm="0">
-                                          <p:val>
-                                            <p:strVal val="1+#ppt_h/2"/>
-                                          </p:val>
-                                        </p:tav>
-                                        <p:tav tm="100000">
-                                          <p:val>
-                                            <p:strVal val="#ppt_y"/>
-                                          </p:val>
-                                        </p:tav>
-                                      </p:tavLst>
-                                    </p:anim>
-                                  </p:childTnLst>
-                                </p:cTn>
-                              </p:par>
-                            </p:childTnLst>
-                          </p:cTn>
-                        </p:par>
-                      </p:childTnLst>
-                    </p:cTn>
-                  </p:par>
-                  <p:par>
-                    <p:cTn id="37" fill="hold">
-                      <p:stCondLst>
-                        <p:cond delay="indefinite"/>
-                      </p:stCondLst>
-                      <p:childTnLst>
-                        <p:par>
-                          <p:cTn id="38" fill="hold">
-                            <p:stCondLst>
-                              <p:cond delay="0"/>
-                            </p:stCondLst>
-                            <p:childTnLst>
-                              <p:par>
-                                <p:cTn id="39" presetID="2" presetClass="entr" presetSubtype="4" fill="hold" grpId="0" nodeType="clickEffect">
-                                  <p:stCondLst>
-                                    <p:cond delay="0"/>
-                                  </p:stCondLst>
-                                  <p:childTnLst>
-                                    <p:set>
-                                      <p:cBhvr>
-                                        <p:cTn id="40" dur="1" fill="hold">
-                                          <p:stCondLst>
-                                            <p:cond delay="0"/>
-                                          </p:stCondLst>
-                                        </p:cTn>
-                                        <p:tgtEl>
-                                          <p:spTgt spid="3">
-                                            <p:txEl>
-                                              <p:pRg st="9" end="9"/>
-                                            </p:txEl>
-                                          </p:spTgt>
-                                        </p:tgtEl>
-                                        <p:attrNameLst>
-                                          <p:attrName>style.visibility</p:attrName>
-                                        </p:attrNameLst>
-                                      </p:cBhvr>
-                                      <p:to>
-                                        <p:strVal val="visible"/>
-                                      </p:to>
-                                    </p:set>
-                                    <p:anim calcmode="lin" valueType="num">
-                                      <p:cBhvr additive="base">
-                                        <p:cTn id="41" dur="500" fill="hold"/>
-                                        <p:tgtEl>
-                                          <p:spTgt spid="3">
-                                            <p:txEl>
-                                              <p:pRg st="9" end="9"/>
-                                            </p:txEl>
-                                          </p:spTgt>
-                                        </p:tgtEl>
-                                        <p:attrNameLst>
-                                          <p:attrName>ppt_x</p:attrName>
-                                        </p:attrNameLst>
-                                      </p:cBhvr>
-                                      <p:tavLst>
-                                        <p:tav tm="0">
-                                          <p:val>
-                                            <p:strVal val="#ppt_x"/>
-                                          </p:val>
-                                        </p:tav>
-                                        <p:tav tm="100000">
-                                          <p:val>
-                                            <p:strVal val="#ppt_x"/>
-                                          </p:val>
-                                        </p:tav>
-                                      </p:tavLst>
-                                    </p:anim>
-                                    <p:anim calcmode="lin" valueType="num">
-                                      <p:cBhvr additive="base">
-                                        <p:cTn id="42" dur="500" fill="hold"/>
-                                        <p:tgtEl>
-                                          <p:spTgt spid="3">
-                                            <p:txEl>
-                                              <p:pRg st="9" end="9"/>
                                             </p:txEl>
                                           </p:spTgt>
                                         </p:tgtEl>
@@ -8415,11 +8715,7 @@
             </a:pPr>
             <a:r>
               <a:rPr lang="en-US" sz="2400" dirty="0" smtClean="0"/>
-              <a:t>When a sprite is </a:t>
-            </a:r>
-            <a:r>
-              <a:rPr lang="en-US" sz="2400" dirty="0" smtClean="0"/>
-              <a:t>clicked</a:t>
+              <a:t>When a sprite is clicked</a:t>
             </a:r>
             <a:endParaRPr lang="en-US" sz="2400" dirty="0"/>
           </a:p>
@@ -8439,11 +8735,6 @@
               </a:rPr>
               <a:t> You can make new Messages as needed</a:t>
             </a:r>
-            <a:endParaRPr lang="en-US" sz="4400" b="1" dirty="0" smtClean="0">
-              <a:solidFill>
-                <a:srgbClr val="0070C0"/>
-              </a:solidFill>
-            </a:endParaRPr>
           </a:p>
           <a:p>
             <a:endParaRPr lang="en-US" dirty="0" smtClean="0"/>
@@ -8831,11 +9122,6 @@
               </a:rPr>
               <a:t>Some times, you will want several of a thing</a:t>
             </a:r>
-            <a:endParaRPr lang="en-US" dirty="0" smtClean="0">
-              <a:solidFill>
-                <a:schemeClr val="bg1"/>
-              </a:solidFill>
-            </a:endParaRPr>
           </a:p>
           <a:p>
             <a:r>
@@ -8856,11 +9142,6 @@
               </a:rPr>
               <a:t>You don’t want to have to attach script to each one</a:t>
             </a:r>
-            <a:endParaRPr lang="en-US" dirty="0" smtClean="0">
-              <a:solidFill>
-                <a:schemeClr val="bg1"/>
-              </a:solidFill>
-            </a:endParaRPr>
           </a:p>
           <a:p>
             <a:endParaRPr lang="en-US" i="1" dirty="0" smtClean="0">
@@ -8878,11 +9159,6 @@
               </a:rPr>
               <a:t>So, Scratch lets you easily ‘clone’ one of your sprites</a:t>
             </a:r>
-            <a:endParaRPr lang="en-US" dirty="0" smtClean="0">
-              <a:solidFill>
-                <a:schemeClr val="bg1"/>
-              </a:solidFill>
-            </a:endParaRPr>
           </a:p>
           <a:p>
             <a:r>
@@ -9759,23 +10035,7 @@
                   <a:schemeClr val="bg1"/>
                 </a:solidFill>
               </a:rPr>
-              <a:t>Asteroids </a:t>
-            </a:r>
-            <a:r>
-              <a:rPr lang="en-US" sz="4000" b="1" dirty="0" smtClean="0">
-                <a:solidFill>
-                  <a:schemeClr val="bg1"/>
-                </a:solidFill>
-              </a:rPr>
-              <a:t>– next </a:t>
-            </a:r>
-            <a:r>
-              <a:rPr lang="en-US" sz="4000" b="1" dirty="0" smtClean="0">
-                <a:solidFill>
-                  <a:schemeClr val="bg1"/>
-                </a:solidFill>
-              </a:rPr>
-              <a:t>steps</a:t>
+              <a:t>Asteroids – next steps</a:t>
             </a:r>
             <a:endParaRPr lang="en-US" sz="4000" b="1" dirty="0">
               <a:solidFill>
@@ -9821,11 +10081,6 @@
               </a:rPr>
               <a:t>Asteroid Clones</a:t>
             </a:r>
-            <a:endParaRPr lang="en-US" sz="5900" b="1" dirty="0" smtClean="0">
-              <a:solidFill>
-                <a:schemeClr val="bg1"/>
-              </a:solidFill>
-            </a:endParaRPr>
           </a:p>
           <a:p>
             <a:pPr>
@@ -10673,578 +10928,6 @@
                   <a:schemeClr val="bg1"/>
                 </a:solidFill>
               </a:rPr>
-              <a:t>Let’s talk about bullets</a:t>
-            </a:r>
-            <a:endParaRPr lang="en-US" sz="3600" b="1" dirty="0">
-              <a:solidFill>
-                <a:schemeClr val="bg1"/>
-              </a:solidFill>
-            </a:endParaRPr>
-          </a:p>
-        </p:txBody>
-      </p:sp>
-      <p:sp>
-        <p:nvSpPr>
-          <p:cNvPr id="3" name="Content Placeholder 2"/>
-          <p:cNvSpPr>
-            <a:spLocks noGrp="1"/>
-          </p:cNvSpPr>
-          <p:nvPr>
-            <p:ph idx="1"/>
-          </p:nvPr>
-        </p:nvSpPr>
-        <p:spPr>
-          <a:xfrm>
-            <a:off x="457200" y="1600200"/>
-            <a:ext cx="8229600" cy="4525963"/>
-          </a:xfrm>
-        </p:spPr>
-        <p:txBody>
-          <a:bodyPr/>
-          <a:lstStyle/>
-          <a:p>
-            <a:r>
-              <a:rPr lang="en-US" dirty="0" smtClean="0">
-                <a:solidFill>
-                  <a:schemeClr val="bg1"/>
-                </a:solidFill>
-              </a:rPr>
-              <a:t>It’s easier to start coding with just one bullet, but it’s easier to DIE, too.</a:t>
-            </a:r>
-            <a:endParaRPr lang="en-US" dirty="0" smtClean="0">
-              <a:solidFill>
-                <a:schemeClr val="bg1"/>
-              </a:solidFill>
-            </a:endParaRPr>
-          </a:p>
-          <a:p>
-            <a:r>
-              <a:rPr lang="en-US" dirty="0" smtClean="0">
-                <a:solidFill>
-                  <a:schemeClr val="bg1"/>
-                </a:solidFill>
-              </a:rPr>
-              <a:t>Since the space ship does the firing, it can send a message to the master bullet, which receives the Fire message.  (below left)</a:t>
-            </a:r>
-            <a:endParaRPr lang="en-US" dirty="0" smtClean="0">
-              <a:solidFill>
-                <a:schemeClr val="bg1"/>
-              </a:solidFill>
-            </a:endParaRPr>
-          </a:p>
-          <a:p>
-            <a:r>
-              <a:rPr lang="en-US" dirty="0" smtClean="0">
-                <a:solidFill>
-                  <a:schemeClr val="bg1"/>
-                </a:solidFill>
-              </a:rPr>
-              <a:t>The bullet logic is not easy</a:t>
-            </a:r>
-            <a:endParaRPr lang="en-US" dirty="0">
-              <a:solidFill>
-                <a:schemeClr val="bg1"/>
-              </a:solidFill>
-            </a:endParaRPr>
-          </a:p>
-        </p:txBody>
-      </p:sp>
-      <p:pic>
-        <p:nvPicPr>
-          <p:cNvPr id="5" name="Picture 4"/>
-          <p:cNvPicPr>
-            <a:picLocks noChangeAspect="1"/>
-          </p:cNvPicPr>
-          <p:nvPr/>
-        </p:nvPicPr>
-        <p:blipFill>
-          <a:blip r:embed="rId2"/>
-          <a:stretch>
-            <a:fillRect/>
-          </a:stretch>
-        </p:blipFill>
-        <p:spPr>
-          <a:xfrm>
-            <a:off x="628650" y="3657600"/>
-            <a:ext cx="2134086" cy="2807340"/>
-          </a:xfrm>
-          <a:prstGeom prst="rect">
-            <a:avLst/>
-          </a:prstGeom>
-        </p:spPr>
-      </p:pic>
-      <p:pic>
-        <p:nvPicPr>
-          <p:cNvPr id="6" name="Picture 5"/>
-          <p:cNvPicPr>
-            <a:picLocks noChangeAspect="1"/>
-          </p:cNvPicPr>
-          <p:nvPr/>
-        </p:nvPicPr>
-        <p:blipFill>
-          <a:blip r:embed="rId3"/>
-          <a:stretch>
-            <a:fillRect/>
-          </a:stretch>
-        </p:blipFill>
-        <p:spPr>
-          <a:xfrm>
-            <a:off x="3888788" y="2590800"/>
-            <a:ext cx="5157375" cy="3988709"/>
-          </a:xfrm>
-          <a:prstGeom prst="rect">
-            <a:avLst/>
-          </a:prstGeom>
-        </p:spPr>
-      </p:pic>
-    </p:spTree>
-    <p:extLst>
-      <p:ext uri="{BB962C8B-B14F-4D97-AF65-F5344CB8AC3E}">
-        <p14:creationId xmlns:p14="http://schemas.microsoft.com/office/powerpoint/2010/main" val="3601194488"/>
-      </p:ext>
-    </p:extLst>
-  </p:cSld>
-  <p:clrMapOvr>
-    <a:masterClrMapping/>
-  </p:clrMapOvr>
-  <mc:AlternateContent xmlns:mc="http://schemas.openxmlformats.org/markup-compatibility/2006" xmlns:p14="http://schemas.microsoft.com/office/powerpoint/2010/main">
-    <mc:Choice Requires="p14">
-      <p:transition spd="slow" p14:dur="2000">
-        <p14:honeycomb/>
-      </p:transition>
-    </mc:Choice>
-    <mc:Fallback xmlns="">
-      <p:transition spd="slow">
-        <p:fade/>
-      </p:transition>
-    </mc:Fallback>
-  </mc:AlternateContent>
-  <p:timing>
-    <p:tnLst>
-      <p:par>
-        <p:cTn id="1" dur="indefinite" restart="never" nodeType="tmRoot">
-          <p:childTnLst>
-            <p:seq concurrent="1" nextAc="seek">
-              <p:cTn id="2" dur="indefinite" nodeType="mainSeq">
-                <p:childTnLst>
-                  <p:par>
-                    <p:cTn id="3" fill="hold">
-                      <p:stCondLst>
-                        <p:cond delay="indefinite"/>
-                      </p:stCondLst>
-                      <p:childTnLst>
-                        <p:par>
-                          <p:cTn id="4" fill="hold">
-                            <p:stCondLst>
-                              <p:cond delay="0"/>
-                            </p:stCondLst>
-                            <p:childTnLst>
-                              <p:par>
-                                <p:cTn id="5" presetID="42" presetClass="entr" presetSubtype="0" fill="hold" grpId="0" nodeType="clickEffect">
-                                  <p:stCondLst>
-                                    <p:cond delay="0"/>
-                                  </p:stCondLst>
-                                  <p:childTnLst>
-                                    <p:set>
-                                      <p:cBhvr>
-                                        <p:cTn id="6" dur="1" fill="hold">
-                                          <p:stCondLst>
-                                            <p:cond delay="0"/>
-                                          </p:stCondLst>
-                                        </p:cTn>
-                                        <p:tgtEl>
-                                          <p:spTgt spid="3">
-                                            <p:txEl>
-                                              <p:pRg st="0" end="0"/>
-                                            </p:txEl>
-                                          </p:spTgt>
-                                        </p:tgtEl>
-                                        <p:attrNameLst>
-                                          <p:attrName>style.visibility</p:attrName>
-                                        </p:attrNameLst>
-                                      </p:cBhvr>
-                                      <p:to>
-                                        <p:strVal val="visible"/>
-                                      </p:to>
-                                    </p:set>
-                                    <p:animEffect transition="in" filter="fade">
-                                      <p:cBhvr>
-                                        <p:cTn id="7" dur="1000"/>
-                                        <p:tgtEl>
-                                          <p:spTgt spid="3">
-                                            <p:txEl>
-                                              <p:pRg st="0" end="0"/>
-                                            </p:txEl>
-                                          </p:spTgt>
-                                        </p:tgtEl>
-                                      </p:cBhvr>
-                                    </p:animEffect>
-                                    <p:anim calcmode="lin" valueType="num">
-                                      <p:cBhvr>
-                                        <p:cTn id="8" dur="1000" fill="hold"/>
-                                        <p:tgtEl>
-                                          <p:spTgt spid="3">
-                                            <p:txEl>
-                                              <p:pRg st="0" end="0"/>
-                                            </p:txEl>
-                                          </p:spTgt>
-                                        </p:tgtEl>
-                                        <p:attrNameLst>
-                                          <p:attrName>ppt_x</p:attrName>
-                                        </p:attrNameLst>
-                                      </p:cBhvr>
-                                      <p:tavLst>
-                                        <p:tav tm="0">
-                                          <p:val>
-                                            <p:strVal val="#ppt_x"/>
-                                          </p:val>
-                                        </p:tav>
-                                        <p:tav tm="100000">
-                                          <p:val>
-                                            <p:strVal val="#ppt_x"/>
-                                          </p:val>
-                                        </p:tav>
-                                      </p:tavLst>
-                                    </p:anim>
-                                    <p:anim calcmode="lin" valueType="num">
-                                      <p:cBhvr>
-                                        <p:cTn id="9" dur="1000" fill="hold"/>
-                                        <p:tgtEl>
-                                          <p:spTgt spid="3">
-                                            <p:txEl>
-                                              <p:pRg st="0" end="0"/>
-                                            </p:txEl>
-                                          </p:spTgt>
-                                        </p:tgtEl>
-                                        <p:attrNameLst>
-                                          <p:attrName>ppt_y</p:attrName>
-                                        </p:attrNameLst>
-                                      </p:cBhvr>
-                                      <p:tavLst>
-                                        <p:tav tm="0">
-                                          <p:val>
-                                            <p:strVal val="#ppt_y+.1"/>
-                                          </p:val>
-                                        </p:tav>
-                                        <p:tav tm="100000">
-                                          <p:val>
-                                            <p:strVal val="#ppt_y"/>
-                                          </p:val>
-                                        </p:tav>
-                                      </p:tavLst>
-                                    </p:anim>
-                                  </p:childTnLst>
-                                </p:cTn>
-                              </p:par>
-                            </p:childTnLst>
-                          </p:cTn>
-                        </p:par>
-                      </p:childTnLst>
-                    </p:cTn>
-                  </p:par>
-                  <p:par>
-                    <p:cTn id="10" fill="hold">
-                      <p:stCondLst>
-                        <p:cond delay="indefinite"/>
-                      </p:stCondLst>
-                      <p:childTnLst>
-                        <p:par>
-                          <p:cTn id="11" fill="hold">
-                            <p:stCondLst>
-                              <p:cond delay="0"/>
-                            </p:stCondLst>
-                            <p:childTnLst>
-                              <p:par>
-                                <p:cTn id="12" presetID="42" presetClass="entr" presetSubtype="0" fill="hold" grpId="0" nodeType="clickEffect">
-                                  <p:stCondLst>
-                                    <p:cond delay="0"/>
-                                  </p:stCondLst>
-                                  <p:childTnLst>
-                                    <p:set>
-                                      <p:cBhvr>
-                                        <p:cTn id="13" dur="1" fill="hold">
-                                          <p:stCondLst>
-                                            <p:cond delay="0"/>
-                                          </p:stCondLst>
-                                        </p:cTn>
-                                        <p:tgtEl>
-                                          <p:spTgt spid="3">
-                                            <p:txEl>
-                                              <p:pRg st="1" end="1"/>
-                                            </p:txEl>
-                                          </p:spTgt>
-                                        </p:tgtEl>
-                                        <p:attrNameLst>
-                                          <p:attrName>style.visibility</p:attrName>
-                                        </p:attrNameLst>
-                                      </p:cBhvr>
-                                      <p:to>
-                                        <p:strVal val="visible"/>
-                                      </p:to>
-                                    </p:set>
-                                    <p:animEffect transition="in" filter="fade">
-                                      <p:cBhvr>
-                                        <p:cTn id="14" dur="1000"/>
-                                        <p:tgtEl>
-                                          <p:spTgt spid="3">
-                                            <p:txEl>
-                                              <p:pRg st="1" end="1"/>
-                                            </p:txEl>
-                                          </p:spTgt>
-                                        </p:tgtEl>
-                                      </p:cBhvr>
-                                    </p:animEffect>
-                                    <p:anim calcmode="lin" valueType="num">
-                                      <p:cBhvr>
-                                        <p:cTn id="15" dur="1000" fill="hold"/>
-                                        <p:tgtEl>
-                                          <p:spTgt spid="3">
-                                            <p:txEl>
-                                              <p:pRg st="1" end="1"/>
-                                            </p:txEl>
-                                          </p:spTgt>
-                                        </p:tgtEl>
-                                        <p:attrNameLst>
-                                          <p:attrName>ppt_x</p:attrName>
-                                        </p:attrNameLst>
-                                      </p:cBhvr>
-                                      <p:tavLst>
-                                        <p:tav tm="0">
-                                          <p:val>
-                                            <p:strVal val="#ppt_x"/>
-                                          </p:val>
-                                        </p:tav>
-                                        <p:tav tm="100000">
-                                          <p:val>
-                                            <p:strVal val="#ppt_x"/>
-                                          </p:val>
-                                        </p:tav>
-                                      </p:tavLst>
-                                    </p:anim>
-                                    <p:anim calcmode="lin" valueType="num">
-                                      <p:cBhvr>
-                                        <p:cTn id="16" dur="1000" fill="hold"/>
-                                        <p:tgtEl>
-                                          <p:spTgt spid="3">
-                                            <p:txEl>
-                                              <p:pRg st="1" end="1"/>
-                                            </p:txEl>
-                                          </p:spTgt>
-                                        </p:tgtEl>
-                                        <p:attrNameLst>
-                                          <p:attrName>ppt_y</p:attrName>
-                                        </p:attrNameLst>
-                                      </p:cBhvr>
-                                      <p:tavLst>
-                                        <p:tav tm="0">
-                                          <p:val>
-                                            <p:strVal val="#ppt_y+.1"/>
-                                          </p:val>
-                                        </p:tav>
-                                        <p:tav tm="100000">
-                                          <p:val>
-                                            <p:strVal val="#ppt_y"/>
-                                          </p:val>
-                                        </p:tav>
-                                      </p:tavLst>
-                                    </p:anim>
-                                  </p:childTnLst>
-                                </p:cTn>
-                              </p:par>
-                            </p:childTnLst>
-                          </p:cTn>
-                        </p:par>
-                      </p:childTnLst>
-                    </p:cTn>
-                  </p:par>
-                  <p:par>
-                    <p:cTn id="17" fill="hold">
-                      <p:stCondLst>
-                        <p:cond delay="indefinite"/>
-                      </p:stCondLst>
-                      <p:childTnLst>
-                        <p:par>
-                          <p:cTn id="18" fill="hold">
-                            <p:stCondLst>
-                              <p:cond delay="0"/>
-                            </p:stCondLst>
-                            <p:childTnLst>
-                              <p:par>
-                                <p:cTn id="19" presetID="42" presetClass="entr" presetSubtype="0" fill="hold" grpId="0" nodeType="clickEffect">
-                                  <p:stCondLst>
-                                    <p:cond delay="0"/>
-                                  </p:stCondLst>
-                                  <p:childTnLst>
-                                    <p:set>
-                                      <p:cBhvr>
-                                        <p:cTn id="20" dur="1" fill="hold">
-                                          <p:stCondLst>
-                                            <p:cond delay="0"/>
-                                          </p:stCondLst>
-                                        </p:cTn>
-                                        <p:tgtEl>
-                                          <p:spTgt spid="3">
-                                            <p:txEl>
-                                              <p:pRg st="2" end="2"/>
-                                            </p:txEl>
-                                          </p:spTgt>
-                                        </p:tgtEl>
-                                        <p:attrNameLst>
-                                          <p:attrName>style.visibility</p:attrName>
-                                        </p:attrNameLst>
-                                      </p:cBhvr>
-                                      <p:to>
-                                        <p:strVal val="visible"/>
-                                      </p:to>
-                                    </p:set>
-                                    <p:animEffect transition="in" filter="fade">
-                                      <p:cBhvr>
-                                        <p:cTn id="21" dur="1000"/>
-                                        <p:tgtEl>
-                                          <p:spTgt spid="3">
-                                            <p:txEl>
-                                              <p:pRg st="2" end="2"/>
-                                            </p:txEl>
-                                          </p:spTgt>
-                                        </p:tgtEl>
-                                      </p:cBhvr>
-                                    </p:animEffect>
-                                    <p:anim calcmode="lin" valueType="num">
-                                      <p:cBhvr>
-                                        <p:cTn id="22" dur="1000" fill="hold"/>
-                                        <p:tgtEl>
-                                          <p:spTgt spid="3">
-                                            <p:txEl>
-                                              <p:pRg st="2" end="2"/>
-                                            </p:txEl>
-                                          </p:spTgt>
-                                        </p:tgtEl>
-                                        <p:attrNameLst>
-                                          <p:attrName>ppt_x</p:attrName>
-                                        </p:attrNameLst>
-                                      </p:cBhvr>
-                                      <p:tavLst>
-                                        <p:tav tm="0">
-                                          <p:val>
-                                            <p:strVal val="#ppt_x"/>
-                                          </p:val>
-                                        </p:tav>
-                                        <p:tav tm="100000">
-                                          <p:val>
-                                            <p:strVal val="#ppt_x"/>
-                                          </p:val>
-                                        </p:tav>
-                                      </p:tavLst>
-                                    </p:anim>
-                                    <p:anim calcmode="lin" valueType="num">
-                                      <p:cBhvr>
-                                        <p:cTn id="23" dur="1000" fill="hold"/>
-                                        <p:tgtEl>
-                                          <p:spTgt spid="3">
-                                            <p:txEl>
-                                              <p:pRg st="2" end="2"/>
-                                            </p:txEl>
-                                          </p:spTgt>
-                                        </p:tgtEl>
-                                        <p:attrNameLst>
-                                          <p:attrName>ppt_y</p:attrName>
-                                        </p:attrNameLst>
-                                      </p:cBhvr>
-                                      <p:tavLst>
-                                        <p:tav tm="0">
-                                          <p:val>
-                                            <p:strVal val="#ppt_y+.1"/>
-                                          </p:val>
-                                        </p:tav>
-                                        <p:tav tm="100000">
-                                          <p:val>
-                                            <p:strVal val="#ppt_y"/>
-                                          </p:val>
-                                        </p:tav>
-                                      </p:tavLst>
-                                    </p:anim>
-                                  </p:childTnLst>
-                                </p:cTn>
-                              </p:par>
-                            </p:childTnLst>
-                          </p:cTn>
-                        </p:par>
-                      </p:childTnLst>
-                    </p:cTn>
-                  </p:par>
-                </p:childTnLst>
-              </p:cTn>
-              <p:prevCondLst>
-                <p:cond evt="onPrev" delay="0">
-                  <p:tgtEl>
-                    <p:sldTgt/>
-                  </p:tgtEl>
-                </p:cond>
-              </p:prevCondLst>
-              <p:nextCondLst>
-                <p:cond evt="onNext" delay="0">
-                  <p:tgtEl>
-                    <p:sldTgt/>
-                  </p:tgtEl>
-                </p:cond>
-              </p:nextCondLst>
-            </p:seq>
-          </p:childTnLst>
-        </p:cTn>
-      </p:par>
-    </p:tnLst>
-    <p:bldLst>
-      <p:bldP spid="3" grpId="0" build="p"/>
-    </p:bldLst>
-  </p:timing>
-</p:sld>
-</file>
-
-<file path=ppt/slides/slide9.xml><?xml version="1.0" encoding="utf-8"?>
-<p:sld xmlns:a="http://schemas.openxmlformats.org/drawingml/2006/main" xmlns:r="http://schemas.openxmlformats.org/officeDocument/2006/relationships" xmlns:p="http://schemas.openxmlformats.org/presentationml/2006/main">
-  <p:cSld>
-    <p:spTree>
-      <p:nvGrpSpPr>
-        <p:cNvPr id="1" name=""/>
-        <p:cNvGrpSpPr/>
-        <p:nvPr/>
-      </p:nvGrpSpPr>
-      <p:grpSpPr>
-        <a:xfrm>
-          <a:off x="0" y="0"/>
-          <a:ext cx="0" cy="0"/>
-          <a:chOff x="0" y="0"/>
-          <a:chExt cx="0" cy="0"/>
-        </a:xfrm>
-      </p:grpSpPr>
-      <p:sp>
-        <p:nvSpPr>
-          <p:cNvPr id="2" name="Title 1"/>
-          <p:cNvSpPr>
-            <a:spLocks noGrp="1"/>
-          </p:cNvSpPr>
-          <p:nvPr>
-            <p:ph type="title"/>
-          </p:nvPr>
-        </p:nvSpPr>
-        <p:spPr>
-          <a:xfrm>
-            <a:off x="628650" y="304800"/>
-            <a:ext cx="7886700" cy="1325563"/>
-          </a:xfrm>
-        </p:spPr>
-        <p:txBody>
-          <a:bodyPr>
-            <a:normAutofit/>
-          </a:bodyPr>
-          <a:lstStyle/>
-          <a:p>
-            <a:r>
-              <a:rPr lang="en-US" sz="3600" b="1" dirty="0" smtClean="0">
-                <a:solidFill>
-                  <a:schemeClr val="bg1"/>
-                </a:solidFill>
-              </a:rPr>
               <a:t>Let’s talk about the space ship</a:t>
             </a:r>
             <a:endParaRPr lang="en-US" sz="3600" b="1" dirty="0">
@@ -11303,11 +10986,6 @@
               </a:rPr>
               <a:t>It detects if an asteroid hits it.</a:t>
             </a:r>
-            <a:endParaRPr lang="en-US" dirty="0" smtClean="0">
-              <a:solidFill>
-                <a:schemeClr val="bg1"/>
-              </a:solidFill>
-            </a:endParaRPr>
           </a:p>
           <a:p>
             <a:endParaRPr lang="en-US" dirty="0" smtClean="0">
@@ -11400,13 +11078,575 @@
   <p:clrMapOvr>
     <a:masterClrMapping/>
   </p:clrMapOvr>
-  <mc:AlternateContent xmlns:mc="http://schemas.openxmlformats.org/markup-compatibility/2006">
-    <mc:Choice xmlns:p14="http://schemas.microsoft.com/office/powerpoint/2010/main" Requires="p14">
+  <mc:AlternateContent xmlns:mc="http://schemas.openxmlformats.org/markup-compatibility/2006" xmlns:p14="http://schemas.microsoft.com/office/powerpoint/2010/main">
+    <mc:Choice Requires="p14">
       <p:transition spd="slow" p14:dur="2000">
         <p14:honeycomb/>
       </p:transition>
     </mc:Choice>
-    <mc:Fallback>
+    <mc:Fallback xmlns="">
+      <p:transition spd="slow">
+        <p:fade/>
+      </p:transition>
+    </mc:Fallback>
+  </mc:AlternateContent>
+  <p:timing>
+    <p:tnLst>
+      <p:par>
+        <p:cTn id="1" dur="indefinite" restart="never" nodeType="tmRoot">
+          <p:childTnLst>
+            <p:seq concurrent="1" nextAc="seek">
+              <p:cTn id="2" dur="indefinite" nodeType="mainSeq">
+                <p:childTnLst>
+                  <p:par>
+                    <p:cTn id="3" fill="hold">
+                      <p:stCondLst>
+                        <p:cond delay="indefinite"/>
+                      </p:stCondLst>
+                      <p:childTnLst>
+                        <p:par>
+                          <p:cTn id="4" fill="hold">
+                            <p:stCondLst>
+                              <p:cond delay="0"/>
+                            </p:stCondLst>
+                            <p:childTnLst>
+                              <p:par>
+                                <p:cTn id="5" presetID="42" presetClass="entr" presetSubtype="0" fill="hold" grpId="0" nodeType="clickEffect">
+                                  <p:stCondLst>
+                                    <p:cond delay="0"/>
+                                  </p:stCondLst>
+                                  <p:childTnLst>
+                                    <p:set>
+                                      <p:cBhvr>
+                                        <p:cTn id="6" dur="1" fill="hold">
+                                          <p:stCondLst>
+                                            <p:cond delay="0"/>
+                                          </p:stCondLst>
+                                        </p:cTn>
+                                        <p:tgtEl>
+                                          <p:spTgt spid="3">
+                                            <p:txEl>
+                                              <p:pRg st="0" end="0"/>
+                                            </p:txEl>
+                                          </p:spTgt>
+                                        </p:tgtEl>
+                                        <p:attrNameLst>
+                                          <p:attrName>style.visibility</p:attrName>
+                                        </p:attrNameLst>
+                                      </p:cBhvr>
+                                      <p:to>
+                                        <p:strVal val="visible"/>
+                                      </p:to>
+                                    </p:set>
+                                    <p:animEffect transition="in" filter="fade">
+                                      <p:cBhvr>
+                                        <p:cTn id="7" dur="1000"/>
+                                        <p:tgtEl>
+                                          <p:spTgt spid="3">
+                                            <p:txEl>
+                                              <p:pRg st="0" end="0"/>
+                                            </p:txEl>
+                                          </p:spTgt>
+                                        </p:tgtEl>
+                                      </p:cBhvr>
+                                    </p:animEffect>
+                                    <p:anim calcmode="lin" valueType="num">
+                                      <p:cBhvr>
+                                        <p:cTn id="8" dur="1000" fill="hold"/>
+                                        <p:tgtEl>
+                                          <p:spTgt spid="3">
+                                            <p:txEl>
+                                              <p:pRg st="0" end="0"/>
+                                            </p:txEl>
+                                          </p:spTgt>
+                                        </p:tgtEl>
+                                        <p:attrNameLst>
+                                          <p:attrName>ppt_x</p:attrName>
+                                        </p:attrNameLst>
+                                      </p:cBhvr>
+                                      <p:tavLst>
+                                        <p:tav tm="0">
+                                          <p:val>
+                                            <p:strVal val="#ppt_x"/>
+                                          </p:val>
+                                        </p:tav>
+                                        <p:tav tm="100000">
+                                          <p:val>
+                                            <p:strVal val="#ppt_x"/>
+                                          </p:val>
+                                        </p:tav>
+                                      </p:tavLst>
+                                    </p:anim>
+                                    <p:anim calcmode="lin" valueType="num">
+                                      <p:cBhvr>
+                                        <p:cTn id="9" dur="1000" fill="hold"/>
+                                        <p:tgtEl>
+                                          <p:spTgt spid="3">
+                                            <p:txEl>
+                                              <p:pRg st="0" end="0"/>
+                                            </p:txEl>
+                                          </p:spTgt>
+                                        </p:tgtEl>
+                                        <p:attrNameLst>
+                                          <p:attrName>ppt_y</p:attrName>
+                                        </p:attrNameLst>
+                                      </p:cBhvr>
+                                      <p:tavLst>
+                                        <p:tav tm="0">
+                                          <p:val>
+                                            <p:strVal val="#ppt_y+.1"/>
+                                          </p:val>
+                                        </p:tav>
+                                        <p:tav tm="100000">
+                                          <p:val>
+                                            <p:strVal val="#ppt_y"/>
+                                          </p:val>
+                                        </p:tav>
+                                      </p:tavLst>
+                                    </p:anim>
+                                  </p:childTnLst>
+                                </p:cTn>
+                              </p:par>
+                            </p:childTnLst>
+                          </p:cTn>
+                        </p:par>
+                      </p:childTnLst>
+                    </p:cTn>
+                  </p:par>
+                  <p:par>
+                    <p:cTn id="10" fill="hold">
+                      <p:stCondLst>
+                        <p:cond delay="indefinite"/>
+                      </p:stCondLst>
+                      <p:childTnLst>
+                        <p:par>
+                          <p:cTn id="11" fill="hold">
+                            <p:stCondLst>
+                              <p:cond delay="0"/>
+                            </p:stCondLst>
+                            <p:childTnLst>
+                              <p:par>
+                                <p:cTn id="12" presetID="42" presetClass="entr" presetSubtype="0" fill="hold" grpId="0" nodeType="clickEffect">
+                                  <p:stCondLst>
+                                    <p:cond delay="0"/>
+                                  </p:stCondLst>
+                                  <p:childTnLst>
+                                    <p:set>
+                                      <p:cBhvr>
+                                        <p:cTn id="13" dur="1" fill="hold">
+                                          <p:stCondLst>
+                                            <p:cond delay="0"/>
+                                          </p:stCondLst>
+                                        </p:cTn>
+                                        <p:tgtEl>
+                                          <p:spTgt spid="3">
+                                            <p:txEl>
+                                              <p:pRg st="1" end="1"/>
+                                            </p:txEl>
+                                          </p:spTgt>
+                                        </p:tgtEl>
+                                        <p:attrNameLst>
+                                          <p:attrName>style.visibility</p:attrName>
+                                        </p:attrNameLst>
+                                      </p:cBhvr>
+                                      <p:to>
+                                        <p:strVal val="visible"/>
+                                      </p:to>
+                                    </p:set>
+                                    <p:animEffect transition="in" filter="fade">
+                                      <p:cBhvr>
+                                        <p:cTn id="14" dur="1000"/>
+                                        <p:tgtEl>
+                                          <p:spTgt spid="3">
+                                            <p:txEl>
+                                              <p:pRg st="1" end="1"/>
+                                            </p:txEl>
+                                          </p:spTgt>
+                                        </p:tgtEl>
+                                      </p:cBhvr>
+                                    </p:animEffect>
+                                    <p:anim calcmode="lin" valueType="num">
+                                      <p:cBhvr>
+                                        <p:cTn id="15" dur="1000" fill="hold"/>
+                                        <p:tgtEl>
+                                          <p:spTgt spid="3">
+                                            <p:txEl>
+                                              <p:pRg st="1" end="1"/>
+                                            </p:txEl>
+                                          </p:spTgt>
+                                        </p:tgtEl>
+                                        <p:attrNameLst>
+                                          <p:attrName>ppt_x</p:attrName>
+                                        </p:attrNameLst>
+                                      </p:cBhvr>
+                                      <p:tavLst>
+                                        <p:tav tm="0">
+                                          <p:val>
+                                            <p:strVal val="#ppt_x"/>
+                                          </p:val>
+                                        </p:tav>
+                                        <p:tav tm="100000">
+                                          <p:val>
+                                            <p:strVal val="#ppt_x"/>
+                                          </p:val>
+                                        </p:tav>
+                                      </p:tavLst>
+                                    </p:anim>
+                                    <p:anim calcmode="lin" valueType="num">
+                                      <p:cBhvr>
+                                        <p:cTn id="16" dur="1000" fill="hold"/>
+                                        <p:tgtEl>
+                                          <p:spTgt spid="3">
+                                            <p:txEl>
+                                              <p:pRg st="1" end="1"/>
+                                            </p:txEl>
+                                          </p:spTgt>
+                                        </p:tgtEl>
+                                        <p:attrNameLst>
+                                          <p:attrName>ppt_y</p:attrName>
+                                        </p:attrNameLst>
+                                      </p:cBhvr>
+                                      <p:tavLst>
+                                        <p:tav tm="0">
+                                          <p:val>
+                                            <p:strVal val="#ppt_y+.1"/>
+                                          </p:val>
+                                        </p:tav>
+                                        <p:tav tm="100000">
+                                          <p:val>
+                                            <p:strVal val="#ppt_y"/>
+                                          </p:val>
+                                        </p:tav>
+                                      </p:tavLst>
+                                    </p:anim>
+                                  </p:childTnLst>
+                                </p:cTn>
+                              </p:par>
+                            </p:childTnLst>
+                          </p:cTn>
+                        </p:par>
+                      </p:childTnLst>
+                    </p:cTn>
+                  </p:par>
+                  <p:par>
+                    <p:cTn id="17" fill="hold">
+                      <p:stCondLst>
+                        <p:cond delay="indefinite"/>
+                      </p:stCondLst>
+                      <p:childTnLst>
+                        <p:par>
+                          <p:cTn id="18" fill="hold">
+                            <p:stCondLst>
+                              <p:cond delay="0"/>
+                            </p:stCondLst>
+                            <p:childTnLst>
+                              <p:par>
+                                <p:cTn id="19" presetID="42" presetClass="entr" presetSubtype="0" fill="hold" grpId="0" nodeType="clickEffect">
+                                  <p:stCondLst>
+                                    <p:cond delay="0"/>
+                                  </p:stCondLst>
+                                  <p:childTnLst>
+                                    <p:set>
+                                      <p:cBhvr>
+                                        <p:cTn id="20" dur="1" fill="hold">
+                                          <p:stCondLst>
+                                            <p:cond delay="0"/>
+                                          </p:stCondLst>
+                                        </p:cTn>
+                                        <p:tgtEl>
+                                          <p:spTgt spid="3">
+                                            <p:txEl>
+                                              <p:pRg st="2" end="2"/>
+                                            </p:txEl>
+                                          </p:spTgt>
+                                        </p:tgtEl>
+                                        <p:attrNameLst>
+                                          <p:attrName>style.visibility</p:attrName>
+                                        </p:attrNameLst>
+                                      </p:cBhvr>
+                                      <p:to>
+                                        <p:strVal val="visible"/>
+                                      </p:to>
+                                    </p:set>
+                                    <p:animEffect transition="in" filter="fade">
+                                      <p:cBhvr>
+                                        <p:cTn id="21" dur="1000"/>
+                                        <p:tgtEl>
+                                          <p:spTgt spid="3">
+                                            <p:txEl>
+                                              <p:pRg st="2" end="2"/>
+                                            </p:txEl>
+                                          </p:spTgt>
+                                        </p:tgtEl>
+                                      </p:cBhvr>
+                                    </p:animEffect>
+                                    <p:anim calcmode="lin" valueType="num">
+                                      <p:cBhvr>
+                                        <p:cTn id="22" dur="1000" fill="hold"/>
+                                        <p:tgtEl>
+                                          <p:spTgt spid="3">
+                                            <p:txEl>
+                                              <p:pRg st="2" end="2"/>
+                                            </p:txEl>
+                                          </p:spTgt>
+                                        </p:tgtEl>
+                                        <p:attrNameLst>
+                                          <p:attrName>ppt_x</p:attrName>
+                                        </p:attrNameLst>
+                                      </p:cBhvr>
+                                      <p:tavLst>
+                                        <p:tav tm="0">
+                                          <p:val>
+                                            <p:strVal val="#ppt_x"/>
+                                          </p:val>
+                                        </p:tav>
+                                        <p:tav tm="100000">
+                                          <p:val>
+                                            <p:strVal val="#ppt_x"/>
+                                          </p:val>
+                                        </p:tav>
+                                      </p:tavLst>
+                                    </p:anim>
+                                    <p:anim calcmode="lin" valueType="num">
+                                      <p:cBhvr>
+                                        <p:cTn id="23" dur="1000" fill="hold"/>
+                                        <p:tgtEl>
+                                          <p:spTgt spid="3">
+                                            <p:txEl>
+                                              <p:pRg st="2" end="2"/>
+                                            </p:txEl>
+                                          </p:spTgt>
+                                        </p:tgtEl>
+                                        <p:attrNameLst>
+                                          <p:attrName>ppt_y</p:attrName>
+                                        </p:attrNameLst>
+                                      </p:cBhvr>
+                                      <p:tavLst>
+                                        <p:tav tm="0">
+                                          <p:val>
+                                            <p:strVal val="#ppt_y+.1"/>
+                                          </p:val>
+                                        </p:tav>
+                                        <p:tav tm="100000">
+                                          <p:val>
+                                            <p:strVal val="#ppt_y"/>
+                                          </p:val>
+                                        </p:tav>
+                                      </p:tavLst>
+                                    </p:anim>
+                                  </p:childTnLst>
+                                </p:cTn>
+                              </p:par>
+                            </p:childTnLst>
+                          </p:cTn>
+                        </p:par>
+                      </p:childTnLst>
+                    </p:cTn>
+                  </p:par>
+                </p:childTnLst>
+              </p:cTn>
+              <p:prevCondLst>
+                <p:cond evt="onPrev" delay="0">
+                  <p:tgtEl>
+                    <p:sldTgt/>
+                  </p:tgtEl>
+                </p:cond>
+              </p:prevCondLst>
+              <p:nextCondLst>
+                <p:cond evt="onNext" delay="0">
+                  <p:tgtEl>
+                    <p:sldTgt/>
+                  </p:tgtEl>
+                </p:cond>
+              </p:nextCondLst>
+            </p:seq>
+          </p:childTnLst>
+        </p:cTn>
+      </p:par>
+    </p:tnLst>
+    <p:bldLst>
+      <p:bldP spid="3" grpId="0" build="p"/>
+    </p:bldLst>
+  </p:timing>
+</p:sld>
+</file>
+
+<file path=ppt/slides/slide9.xml><?xml version="1.0" encoding="utf-8"?>
+<p:sld xmlns:a="http://schemas.openxmlformats.org/drawingml/2006/main" xmlns:r="http://schemas.openxmlformats.org/officeDocument/2006/relationships" xmlns:p="http://schemas.openxmlformats.org/presentationml/2006/main">
+  <p:cSld>
+    <p:spTree>
+      <p:nvGrpSpPr>
+        <p:cNvPr id="1" name=""/>
+        <p:cNvGrpSpPr/>
+        <p:nvPr/>
+      </p:nvGrpSpPr>
+      <p:grpSpPr>
+        <a:xfrm>
+          <a:off x="0" y="0"/>
+          <a:ext cx="0" cy="0"/>
+          <a:chOff x="0" y="0"/>
+          <a:chExt cx="0" cy="0"/>
+        </a:xfrm>
+      </p:grpSpPr>
+      <p:sp>
+        <p:nvSpPr>
+          <p:cNvPr id="2" name="Title 1"/>
+          <p:cNvSpPr>
+            <a:spLocks noGrp="1"/>
+          </p:cNvSpPr>
+          <p:nvPr>
+            <p:ph type="title"/>
+          </p:nvPr>
+        </p:nvSpPr>
+        <p:spPr>
+          <a:xfrm>
+            <a:off x="628650" y="304800"/>
+            <a:ext cx="7886700" cy="1325563"/>
+          </a:xfrm>
+        </p:spPr>
+        <p:txBody>
+          <a:bodyPr>
+            <a:normAutofit/>
+          </a:bodyPr>
+          <a:lstStyle/>
+          <a:p>
+            <a:r>
+              <a:rPr lang="en-US" sz="3600" b="1" dirty="0" smtClean="0">
+                <a:solidFill>
+                  <a:schemeClr val="bg1"/>
+                </a:solidFill>
+              </a:rPr>
+              <a:t>Let’s talk about bullets</a:t>
+            </a:r>
+            <a:endParaRPr lang="en-US" sz="3600" b="1" dirty="0">
+              <a:solidFill>
+                <a:schemeClr val="bg1"/>
+              </a:solidFill>
+            </a:endParaRPr>
+          </a:p>
+        </p:txBody>
+      </p:sp>
+      <p:sp>
+        <p:nvSpPr>
+          <p:cNvPr id="3" name="Content Placeholder 2"/>
+          <p:cNvSpPr>
+            <a:spLocks noGrp="1"/>
+          </p:cNvSpPr>
+          <p:nvPr>
+            <p:ph idx="1"/>
+          </p:nvPr>
+        </p:nvSpPr>
+        <p:spPr>
+          <a:xfrm>
+            <a:off x="457200" y="1600200"/>
+            <a:ext cx="8229600" cy="4525963"/>
+          </a:xfrm>
+        </p:spPr>
+        <p:txBody>
+          <a:bodyPr/>
+          <a:lstStyle/>
+          <a:p>
+            <a:r>
+              <a:rPr lang="en-US" dirty="0" smtClean="0">
+                <a:solidFill>
+                  <a:schemeClr val="bg1"/>
+                </a:solidFill>
+              </a:rPr>
+              <a:t>It’s easier to start coding with just one bullet, but it’s easier to DIE, too.</a:t>
+            </a:r>
+          </a:p>
+          <a:p>
+            <a:r>
+              <a:rPr lang="en-US" dirty="0" smtClean="0">
+                <a:solidFill>
+                  <a:schemeClr val="bg1"/>
+                </a:solidFill>
+              </a:rPr>
+              <a:t>Since the space ship does the firing, it can send a message to the master bullet, which receives the Fire message.  (below left)</a:t>
+            </a:r>
+          </a:p>
+          <a:p>
+            <a:r>
+              <a:rPr lang="en-US" dirty="0" smtClean="0">
+                <a:solidFill>
+                  <a:schemeClr val="bg1"/>
+                </a:solidFill>
+              </a:rPr>
+              <a:t>The bullet logic is not easy</a:t>
+            </a:r>
+            <a:endParaRPr lang="en-US" dirty="0">
+              <a:solidFill>
+                <a:schemeClr val="bg1"/>
+              </a:solidFill>
+            </a:endParaRPr>
+          </a:p>
+        </p:txBody>
+      </p:sp>
+      <p:pic>
+        <p:nvPicPr>
+          <p:cNvPr id="5" name="Picture 4"/>
+          <p:cNvPicPr>
+            <a:picLocks noChangeAspect="1"/>
+          </p:cNvPicPr>
+          <p:nvPr/>
+        </p:nvPicPr>
+        <p:blipFill>
+          <a:blip r:embed="rId2"/>
+          <a:stretch>
+            <a:fillRect/>
+          </a:stretch>
+        </p:blipFill>
+        <p:spPr>
+          <a:xfrm>
+            <a:off x="628650" y="3657600"/>
+            <a:ext cx="2134086" cy="2807340"/>
+          </a:xfrm>
+          <a:prstGeom prst="rect">
+            <a:avLst/>
+          </a:prstGeom>
+        </p:spPr>
+      </p:pic>
+      <p:pic>
+        <p:nvPicPr>
+          <p:cNvPr id="6" name="Picture 5"/>
+          <p:cNvPicPr>
+            <a:picLocks noChangeAspect="1"/>
+          </p:cNvPicPr>
+          <p:nvPr/>
+        </p:nvPicPr>
+        <p:blipFill>
+          <a:blip r:embed="rId3"/>
+          <a:stretch>
+            <a:fillRect/>
+          </a:stretch>
+        </p:blipFill>
+        <p:spPr>
+          <a:xfrm>
+            <a:off x="3888788" y="2590800"/>
+            <a:ext cx="5157375" cy="3988709"/>
+          </a:xfrm>
+          <a:prstGeom prst="rect">
+            <a:avLst/>
+          </a:prstGeom>
+        </p:spPr>
+      </p:pic>
+    </p:spTree>
+    <p:extLst>
+      <p:ext uri="{BB962C8B-B14F-4D97-AF65-F5344CB8AC3E}">
+        <p14:creationId xmlns:p14="http://schemas.microsoft.com/office/powerpoint/2010/main" val="3601194488"/>
+      </p:ext>
+    </p:extLst>
+  </p:cSld>
+  <p:clrMapOvr>
+    <a:masterClrMapping/>
+  </p:clrMapOvr>
+  <mc:AlternateContent xmlns:mc="http://schemas.openxmlformats.org/markup-compatibility/2006" xmlns:p14="http://schemas.microsoft.com/office/powerpoint/2010/main">
+    <mc:Choice Requires="p14">
+      <p:transition spd="slow" p14:dur="2000">
+        <p14:honeycomb/>
+      </p:transition>
+    </mc:Choice>
+    <mc:Fallback xmlns="">
       <p:transition spd="slow">
         <p:fade/>
       </p:transition>
@@ -12048,7 +12288,7 @@
   <a:extraClrSchemeLst/>
   <a:extLst>
     <a:ext uri="{05A4C25C-085E-4340-85A3-A5531E510DB2}">
-      <thm15:themeFamily xmlns:thm15="http://schemas.microsoft.com/office/thememl/2012/main" name="Office Theme" id="{62F939B6-93AF-4DB8-9C6B-D6C7DFDC589F}" vid="{4A3C46E8-61CC-4603-A589-7422A47A8E4A}"/>
+      <thm15:themeFamily xmlns:thm15="http://schemas.microsoft.com/office/thememl/2012/main" xmlns="" name="Office Theme" id="{62F939B6-93AF-4DB8-9C6B-D6C7DFDC589F}" vid="{4A3C46E8-61CC-4603-A589-7422A47A8E4A}"/>
     </a:ext>
   </a:extLst>
 </a:theme>
@@ -12309,7 +12549,7 @@
   <a:extraClrSchemeLst/>
   <a:extLst>
     <a:ext uri="{05A4C25C-085E-4340-85A3-A5531E510DB2}">
-      <thm15:themeFamily xmlns:thm15="http://schemas.microsoft.com/office/thememl/2012/main" name="Office Theme" id="{62F939B6-93AF-4DB8-9C6B-D6C7DFDC589F}" vid="{4A3C46E8-61CC-4603-A589-7422A47A8E4A}"/>
+      <thm15:themeFamily xmlns:thm15="http://schemas.microsoft.com/office/thememl/2012/main" xmlns="" name="Office Theme" id="{62F939B6-93AF-4DB8-9C6B-D6C7DFDC589F}" vid="{4A3C46E8-61CC-4603-A589-7422A47A8E4A}"/>
     </a:ext>
   </a:extLst>
 </a:theme>
